--- a/ISB_SA2_Tutorials.pptx
+++ b/ISB_SA2_Tutorials.pptx
@@ -9,6 +9,9 @@
     <p:sldId id="257" r:id="rId3"/>
     <p:sldId id="262" r:id="rId4"/>
     <p:sldId id="263" r:id="rId5"/>
+    <p:sldId id="266" r:id="rId6"/>
+    <p:sldId id="264" r:id="rId7"/>
+    <p:sldId id="265" r:id="rId8"/>
   </p:sldIdLst>
   <p:sldSz cx="12192000" cy="6858000"/>
   <p:notesSz cx="6858000" cy="9144000"/>
@@ -115,10 +118,6 @@
 </p:presentation>
 </file>
 
-<file path=ppt/revisionInfo.xml><?xml version="1.0" encoding="utf-8"?>
-<p1510:revInfo xmlns:a="http://schemas.openxmlformats.org/drawingml/2006/main" xmlns:r="http://schemas.openxmlformats.org/officeDocument/2006/relationships" xmlns:p1510="http://schemas.microsoft.com/office/powerpoint/2015/10/main"/>
-</file>
-
 <file path=ppt/slideLayouts/slideLayout1.xml><?xml version="1.0" encoding="utf-8"?>
 <p:sldLayout xmlns:a="http://schemas.openxmlformats.org/drawingml/2006/main" xmlns:r="http://schemas.openxmlformats.org/officeDocument/2006/relationships" xmlns:p="http://schemas.openxmlformats.org/presentationml/2006/main" showMasterSp="0" type="title" preserve="1">
   <p:cSld name="Title Slide">
@@ -295,7 +294,7 @@
           <a:p>
             <a:fld id="{96DFF08F-DC6B-4601-B491-B0F83F6DD2DA}" type="datetimeFigureOut">
               <a:rPr lang="en-US" dirty="0"/>
-              <a:t>2/8/2018</a:t>
+              <a:t>2/9/2018</a:t>
             </a:fld>
             <a:endParaRPr lang="en-US" dirty="0"/>
           </a:p>
@@ -460,7 +459,7 @@
           <a:p>
             <a:fld id="{96DFF08F-DC6B-4601-B491-B0F83F6DD2DA}" type="datetimeFigureOut">
               <a:rPr lang="en-US" dirty="0"/>
-              <a:t>2/8/2018</a:t>
+              <a:t>2/9/2018</a:t>
             </a:fld>
             <a:endParaRPr lang="en-US" dirty="0"/>
           </a:p>
@@ -678,7 +677,7 @@
           <a:p>
             <a:fld id="{96DFF08F-DC6B-4601-B491-B0F83F6DD2DA}" type="datetimeFigureOut">
               <a:rPr lang="en-US" dirty="0"/>
-              <a:t>2/8/2018</a:t>
+              <a:t>2/9/2018</a:t>
             </a:fld>
             <a:endParaRPr lang="en-US" dirty="0"/>
           </a:p>
@@ -853,7 +852,7 @@
           <a:p>
             <a:fld id="{96DFF08F-DC6B-4601-B491-B0F83F6DD2DA}" type="datetimeFigureOut">
               <a:rPr lang="en-US" dirty="0"/>
-              <a:t>2/8/2018</a:t>
+              <a:t>2/9/2018</a:t>
             </a:fld>
             <a:endParaRPr lang="en-US" dirty="0"/>
           </a:p>
@@ -1155,7 +1154,7 @@
             <a:fld id="{96DFF08F-DC6B-4601-B491-B0F83F6DD2DA}" type="datetimeFigureOut">
               <a:rPr lang="en-US" dirty="0"/>
               <a:pPr/>
-              <a:t>2/8/2018</a:t>
+              <a:t>2/9/2018</a:t>
             </a:fld>
             <a:endParaRPr lang="en-US" dirty="0"/>
           </a:p>
@@ -1455,7 +1454,7 @@
           <a:p>
             <a:fld id="{96DFF08F-DC6B-4601-B491-B0F83F6DD2DA}" type="datetimeFigureOut">
               <a:rPr lang="en-US" dirty="0"/>
-              <a:t>2/8/2018</a:t>
+              <a:t>2/9/2018</a:t>
             </a:fld>
             <a:endParaRPr lang="en-US" dirty="0"/>
           </a:p>
@@ -1872,7 +1871,7 @@
           <a:p>
             <a:fld id="{96DFF08F-DC6B-4601-B491-B0F83F6DD2DA}" type="datetimeFigureOut">
               <a:rPr lang="en-US" dirty="0"/>
-              <a:t>2/8/2018</a:t>
+              <a:t>2/9/2018</a:t>
             </a:fld>
             <a:endParaRPr lang="en-US" dirty="0"/>
           </a:p>
@@ -1985,7 +1984,7 @@
           <a:p>
             <a:fld id="{96DFF08F-DC6B-4601-B491-B0F83F6DD2DA}" type="datetimeFigureOut">
               <a:rPr lang="en-US" dirty="0"/>
-              <a:t>2/8/2018</a:t>
+              <a:t>2/9/2018</a:t>
             </a:fld>
             <a:endParaRPr lang="en-US" dirty="0"/>
           </a:p>
@@ -2075,7 +2074,7 @@
           <a:p>
             <a:fld id="{96DFF08F-DC6B-4601-B491-B0F83F6DD2DA}" type="datetimeFigureOut">
               <a:rPr lang="en-US" dirty="0"/>
-              <a:t>2/8/2018</a:t>
+              <a:t>2/9/2018</a:t>
             </a:fld>
             <a:endParaRPr lang="en-US" dirty="0"/>
           </a:p>
@@ -2343,7 +2342,7 @@
           <a:p>
             <a:fld id="{96DFF08F-DC6B-4601-B491-B0F83F6DD2DA}" type="datetimeFigureOut">
               <a:rPr lang="en-US" dirty="0"/>
-              <a:t>2/8/2018</a:t>
+              <a:t>2/9/2018</a:t>
             </a:fld>
             <a:endParaRPr lang="en-US" dirty="0"/>
           </a:p>
@@ -2603,7 +2602,7 @@
           <a:p>
             <a:fld id="{96DFF08F-DC6B-4601-B491-B0F83F6DD2DA}" type="datetimeFigureOut">
               <a:rPr lang="en-US" dirty="0"/>
-              <a:t>2/8/2018</a:t>
+              <a:t>2/9/2018</a:t>
             </a:fld>
             <a:endParaRPr lang="en-US" dirty="0"/>
           </a:p>
@@ -2848,7 +2847,7 @@
             <a:fld id="{96DFF08F-DC6B-4601-B491-B0F83F6DD2DA}" type="datetimeFigureOut">
               <a:rPr lang="en-US" dirty="0"/>
               <a:pPr/>
-              <a:t>2/8/2018</a:t>
+              <a:t>2/9/2018</a:t>
             </a:fld>
             <a:endParaRPr lang="en-US" dirty="0"/>
           </a:p>
@@ -4512,6 +4511,1332 @@
 </p:sld>
 </file>
 
+<file path=ppt/slides/slide5.xml><?xml version="1.0" encoding="utf-8"?>
+<p:sld xmlns:a="http://schemas.openxmlformats.org/drawingml/2006/main" xmlns:r="http://schemas.openxmlformats.org/officeDocument/2006/relationships" xmlns:p="http://schemas.openxmlformats.org/presentationml/2006/main">
+  <p:cSld>
+    <p:spTree>
+      <p:nvGrpSpPr>
+        <p:cNvPr id="1" name=""/>
+        <p:cNvGrpSpPr/>
+        <p:nvPr/>
+      </p:nvGrpSpPr>
+      <p:grpSpPr>
+        <a:xfrm>
+          <a:off x="0" y="0"/>
+          <a:ext cx="0" cy="0"/>
+          <a:chOff x="0" y="0"/>
+          <a:chExt cx="0" cy="0"/>
+        </a:xfrm>
+      </p:grpSpPr>
+      <p:sp>
+        <p:nvSpPr>
+          <p:cNvPr id="2" name="Title 1">
+            <a:extLst>
+              <a:ext uri="{FF2B5EF4-FFF2-40B4-BE49-F238E27FC236}">
+                <a16:creationId xmlns:a16="http://schemas.microsoft.com/office/drawing/2014/main" id="{BE85FB9A-140F-423B-AD48-0A25550E86A3}"/>
+              </a:ext>
+            </a:extLst>
+          </p:cNvPr>
+          <p:cNvSpPr>
+            <a:spLocks noGrp="1"/>
+          </p:cNvSpPr>
+          <p:nvPr>
+            <p:ph type="title"/>
+          </p:nvPr>
+        </p:nvSpPr>
+        <p:spPr/>
+        <p:txBody>
+          <a:bodyPr/>
+          <a:lstStyle/>
+          <a:p>
+            <a:r>
+              <a:rPr lang="en-IN" dirty="0"/>
+              <a:t>Assumptions	</a:t>
+            </a:r>
+          </a:p>
+        </p:txBody>
+      </p:sp>
+      <p:sp>
+        <p:nvSpPr>
+          <p:cNvPr id="3" name="Content Placeholder 2">
+            <a:extLst>
+              <a:ext uri="{FF2B5EF4-FFF2-40B4-BE49-F238E27FC236}">
+                <a16:creationId xmlns:a16="http://schemas.microsoft.com/office/drawing/2014/main" id="{EE8AE940-59DA-49ED-B544-053BA616624B}"/>
+              </a:ext>
+            </a:extLst>
+          </p:cNvPr>
+          <p:cNvSpPr>
+            <a:spLocks noGrp="1"/>
+          </p:cNvSpPr>
+          <p:nvPr>
+            <p:ph idx="1"/>
+          </p:nvPr>
+        </p:nvSpPr>
+        <p:spPr/>
+        <p:txBody>
+          <a:bodyPr/>
+          <a:lstStyle/>
+          <a:p>
+            <a:r>
+              <a:rPr lang="en-IN" dirty="0"/>
+              <a:t>LINEAR model was fit </a:t>
+            </a:r>
+          </a:p>
+          <a:p>
+            <a:r>
+              <a:rPr lang="en-IN" dirty="0"/>
+              <a:t>The parameters were estimated using the OLS technique</a:t>
+            </a:r>
+          </a:p>
+          <a:p>
+            <a:r>
+              <a:rPr lang="en-IN" dirty="0"/>
+              <a:t>There is collinearity between COUPON and SQRT(COUPON)</a:t>
+            </a:r>
+          </a:p>
+          <a:p>
+            <a:r>
+              <a:rPr lang="en-IN" dirty="0"/>
+              <a:t>There are few observations that are very influential like 307, 476,  483 and few others that have </a:t>
+            </a:r>
+            <a:r>
+              <a:rPr lang="en-IN"/>
+              <a:t>higher cut-off </a:t>
+            </a:r>
+            <a:r>
+              <a:rPr lang="en-IN" dirty="0"/>
+              <a:t>value.</a:t>
+            </a:r>
+          </a:p>
+          <a:p>
+            <a:endParaRPr lang="en-IN" dirty="0"/>
+          </a:p>
+        </p:txBody>
+      </p:sp>
+    </p:spTree>
+    <p:extLst>
+      <p:ext uri="{BB962C8B-B14F-4D97-AF65-F5344CB8AC3E}">
+        <p14:creationId xmlns:p14="http://schemas.microsoft.com/office/powerpoint/2010/main" val="1429688009"/>
+      </p:ext>
+    </p:extLst>
+  </p:cSld>
+  <p:clrMapOvr>
+    <a:masterClrMapping/>
+  </p:clrMapOvr>
+</p:sld>
+</file>
+
+<file path=ppt/slides/slide6.xml><?xml version="1.0" encoding="utf-8"?>
+<p:sld xmlns:a="http://schemas.openxmlformats.org/drawingml/2006/main" xmlns:r="http://schemas.openxmlformats.org/officeDocument/2006/relationships" xmlns:p="http://schemas.openxmlformats.org/presentationml/2006/main">
+  <p:cSld>
+    <p:spTree>
+      <p:nvGrpSpPr>
+        <p:cNvPr id="1" name=""/>
+        <p:cNvGrpSpPr/>
+        <p:nvPr/>
+      </p:nvGrpSpPr>
+      <p:grpSpPr>
+        <a:xfrm>
+          <a:off x="0" y="0"/>
+          <a:ext cx="0" cy="0"/>
+          <a:chOff x="0" y="0"/>
+          <a:chExt cx="0" cy="0"/>
+        </a:xfrm>
+      </p:grpSpPr>
+      <p:sp>
+        <p:nvSpPr>
+          <p:cNvPr id="2" name="Title 1">
+            <a:extLst>
+              <a:ext uri="{FF2B5EF4-FFF2-40B4-BE49-F238E27FC236}">
+                <a16:creationId xmlns:a16="http://schemas.microsoft.com/office/drawing/2014/main" id="{76F110B6-443F-4B10-82A9-156B1B289F3C}"/>
+              </a:ext>
+            </a:extLst>
+          </p:cNvPr>
+          <p:cNvSpPr>
+            <a:spLocks noGrp="1"/>
+          </p:cNvSpPr>
+          <p:nvPr>
+            <p:ph type="title"/>
+          </p:nvPr>
+        </p:nvSpPr>
+        <p:spPr/>
+        <p:txBody>
+          <a:bodyPr/>
+          <a:lstStyle/>
+          <a:p>
+            <a:r>
+              <a:rPr lang="en-IN" dirty="0"/>
+              <a:t>Model</a:t>
+            </a:r>
+          </a:p>
+        </p:txBody>
+      </p:sp>
+      <p:sp>
+        <p:nvSpPr>
+          <p:cNvPr id="3" name="Content Placeholder 2">
+            <a:extLst>
+              <a:ext uri="{FF2B5EF4-FFF2-40B4-BE49-F238E27FC236}">
+                <a16:creationId xmlns:a16="http://schemas.microsoft.com/office/drawing/2014/main" id="{D2A7165B-3AC9-4231-9853-DA159418A022}"/>
+              </a:ext>
+            </a:extLst>
+          </p:cNvPr>
+          <p:cNvSpPr>
+            <a:spLocks noGrp="1"/>
+          </p:cNvSpPr>
+          <p:nvPr>
+            <p:ph idx="1"/>
+          </p:nvPr>
+        </p:nvSpPr>
+        <p:spPr/>
+        <p:txBody>
+          <a:bodyPr>
+            <a:noAutofit/>
+          </a:bodyPr>
+          <a:lstStyle/>
+          <a:p>
+            <a:pPr marL="0" indent="0">
+              <a:buNone/>
+            </a:pPr>
+            <a:r>
+              <a:rPr lang="en-IN" sz="1600" b="1" dirty="0"/>
+              <a:t>Call:</a:t>
+            </a:r>
+          </a:p>
+          <a:p>
+            <a:pPr marL="0" indent="0">
+              <a:buNone/>
+            </a:pPr>
+            <a:r>
+              <a:rPr lang="en-IN" sz="1600" b="1" dirty="0" err="1"/>
+              <a:t>lm</a:t>
+            </a:r>
+            <a:r>
+              <a:rPr lang="en-IN" sz="1600" b="1" dirty="0"/>
+              <a:t>(formula = </a:t>
+            </a:r>
+            <a:r>
+              <a:rPr lang="en-IN" dirty="0"/>
+              <a:t>log(FARE) </a:t>
+            </a:r>
+            <a:r>
+              <a:rPr lang="en-IN" sz="1600" b="1" dirty="0"/>
+              <a:t>~ COUPON + NEW + E_INCOME + E_POP + PAX + </a:t>
+            </a:r>
+          </a:p>
+          <a:p>
+            <a:pPr marL="0" indent="0">
+              <a:buNone/>
+            </a:pPr>
+            <a:r>
+              <a:rPr lang="en-IN" sz="1600" b="1" dirty="0"/>
+              <a:t>    VACATION + SW + SLOT + GATE + SQRTCOUPON + HILOG + S_INCOMELOG + </a:t>
+            </a:r>
+          </a:p>
+          <a:p>
+            <a:pPr marL="0" indent="0">
+              <a:buNone/>
+            </a:pPr>
+            <a:r>
+              <a:rPr lang="en-IN" sz="1600" b="1" dirty="0"/>
+              <a:t>    SQRT_S_POP + SQRT_E_POP + SQRT_DISTANCE + SQR_PAX, data = </a:t>
+            </a:r>
+            <a:r>
+              <a:rPr lang="en-IN" sz="1600" b="1" dirty="0" err="1"/>
+              <a:t>final_data</a:t>
+            </a:r>
+            <a:r>
+              <a:rPr lang="en-IN" sz="1600" b="1" dirty="0"/>
+              <a:t>[-c(307, </a:t>
+            </a:r>
+          </a:p>
+          <a:p>
+            <a:pPr marL="0" indent="0">
+              <a:buNone/>
+            </a:pPr>
+            <a:r>
+              <a:rPr lang="en-IN" sz="1600" b="1" dirty="0"/>
+              <a:t>    476, 483), -c(3, 4)])</a:t>
+            </a:r>
+          </a:p>
+          <a:p>
+            <a:pPr marL="0" indent="0">
+              <a:buNone/>
+            </a:pPr>
+            <a:endParaRPr lang="en-IN" sz="1600" b="1" dirty="0"/>
+          </a:p>
+          <a:p>
+            <a:pPr marL="0" indent="0">
+              <a:buNone/>
+            </a:pPr>
+            <a:r>
+              <a:rPr lang="en-IN" sz="1600" b="1" dirty="0"/>
+              <a:t>Coefficients:</a:t>
+            </a:r>
+          </a:p>
+          <a:p>
+            <a:pPr marL="0" indent="0">
+              <a:buNone/>
+            </a:pPr>
+            <a:r>
+              <a:rPr lang="en-IN" sz="1600" b="1" dirty="0"/>
+              <a:t>  (Intercept)         COUPON            NEW       E_INCOME          E_POP            PAX  </a:t>
+            </a:r>
+          </a:p>
+          <a:p>
+            <a:pPr marL="0" indent="0">
+              <a:buNone/>
+            </a:pPr>
+            <a:r>
+              <a:rPr lang="en-IN" sz="1600" b="1" dirty="0"/>
+              <a:t>   -3.977e+00     -3.436e+00     -1.761e-02      8.216e-06     -5.580e-08     -2.051e-05  </a:t>
+            </a:r>
+          </a:p>
+          <a:p>
+            <a:pPr marL="0" indent="0">
+              <a:buNone/>
+            </a:pPr>
+            <a:r>
+              <a:rPr lang="en-IN" sz="1600" b="1" dirty="0"/>
+              <a:t>  VACATIONYes          SWYes       SLOTFree       GATEFree     SQRTCOUPON          HILOG  </a:t>
+            </a:r>
+          </a:p>
+          <a:p>
+            <a:pPr marL="0" indent="0">
+              <a:buNone/>
+            </a:pPr>
+            <a:r>
+              <a:rPr lang="en-IN" sz="1600" b="1" dirty="0"/>
+              <a:t>   -1.930e-01     -3.410e-01     -1.173e-01     -1.395e-01      7.880e+00      1.187e-01  </a:t>
+            </a:r>
+          </a:p>
+          <a:p>
+            <a:pPr marL="0" indent="0">
+              <a:buNone/>
+            </a:pPr>
+            <a:r>
+              <a:rPr lang="en-IN" sz="1600" b="1" dirty="0"/>
+              <a:t>  S_INCOMELOG     SQRT_S_POP     SQRT_E_POP  SQRT_DISTANCE        SQR_PAX  </a:t>
+            </a:r>
+          </a:p>
+          <a:p>
+            <a:pPr marL="0" indent="0">
+              <a:buNone/>
+            </a:pPr>
+            <a:r>
+              <a:rPr lang="en-IN" sz="1600" b="1" dirty="0"/>
+              <a:t>    2.368e-01      1.130e-04      3.499e-04      2.697e-02      2.132e-10 </a:t>
+            </a:r>
+          </a:p>
+        </p:txBody>
+      </p:sp>
+    </p:spTree>
+    <p:extLst>
+      <p:ext uri="{BB962C8B-B14F-4D97-AF65-F5344CB8AC3E}">
+        <p14:creationId xmlns:p14="http://schemas.microsoft.com/office/powerpoint/2010/main" val="1752541974"/>
+      </p:ext>
+    </p:extLst>
+  </p:cSld>
+  <p:clrMapOvr>
+    <a:masterClrMapping/>
+  </p:clrMapOvr>
+</p:sld>
+</file>
+
+<file path=ppt/slides/slide7.xml><?xml version="1.0" encoding="utf-8"?>
+<p:sld xmlns:a="http://schemas.openxmlformats.org/drawingml/2006/main" xmlns:r="http://schemas.openxmlformats.org/officeDocument/2006/relationships" xmlns:p="http://schemas.openxmlformats.org/presentationml/2006/main">
+  <p:cSld>
+    <p:spTree>
+      <p:nvGrpSpPr>
+        <p:cNvPr id="1" name=""/>
+        <p:cNvGrpSpPr/>
+        <p:nvPr/>
+      </p:nvGrpSpPr>
+      <p:grpSpPr>
+        <a:xfrm>
+          <a:off x="0" y="0"/>
+          <a:ext cx="0" cy="0"/>
+          <a:chOff x="0" y="0"/>
+          <a:chExt cx="0" cy="0"/>
+        </a:xfrm>
+      </p:grpSpPr>
+      <p:sp>
+        <p:nvSpPr>
+          <p:cNvPr id="2" name="Title 1">
+            <a:extLst>
+              <a:ext uri="{FF2B5EF4-FFF2-40B4-BE49-F238E27FC236}">
+                <a16:creationId xmlns:a16="http://schemas.microsoft.com/office/drawing/2014/main" id="{C3FC1340-007A-4AB2-A0C2-9C06B2568E5C}"/>
+              </a:ext>
+            </a:extLst>
+          </p:cNvPr>
+          <p:cNvSpPr>
+            <a:spLocks noGrp="1"/>
+          </p:cNvSpPr>
+          <p:nvPr>
+            <p:ph type="title"/>
+          </p:nvPr>
+        </p:nvSpPr>
+        <p:spPr/>
+        <p:txBody>
+          <a:bodyPr/>
+          <a:lstStyle/>
+          <a:p>
+            <a:r>
+              <a:rPr lang="en-IN" dirty="0"/>
+              <a:t>Business Interpretation</a:t>
+            </a:r>
+          </a:p>
+        </p:txBody>
+      </p:sp>
+      <p:sp>
+        <p:nvSpPr>
+          <p:cNvPr id="3" name="Content Placeholder 2">
+            <a:extLst>
+              <a:ext uri="{FF2B5EF4-FFF2-40B4-BE49-F238E27FC236}">
+                <a16:creationId xmlns:a16="http://schemas.microsoft.com/office/drawing/2014/main" id="{9C26E49E-EAE6-4D44-A92D-7CD7C3351194}"/>
+              </a:ext>
+            </a:extLst>
+          </p:cNvPr>
+          <p:cNvSpPr>
+            <a:spLocks noGrp="1"/>
+          </p:cNvSpPr>
+          <p:nvPr>
+            <p:ph idx="1"/>
+          </p:nvPr>
+        </p:nvSpPr>
+        <p:spPr/>
+        <p:txBody>
+          <a:bodyPr/>
+          <a:lstStyle/>
+          <a:p>
+            <a:pPr algn="just">
+              <a:buFont typeface="Arial" panose="020B0604020202020204" pitchFamily="34" charset="0"/>
+              <a:buChar char="•"/>
+            </a:pPr>
+            <a:r>
+              <a:rPr lang="en-IN" dirty="0">
+                <a:latin typeface="Cambria" pitchFamily="18" charset="0"/>
+              </a:rPr>
+              <a:t>If South West Airlines operates on the same route there is a reduction of FARE by 29%.</a:t>
+            </a:r>
+          </a:p>
+          <a:p>
+            <a:pPr algn="just">
+              <a:buFont typeface="Arial" panose="020B0604020202020204" pitchFamily="34" charset="0"/>
+              <a:buChar char="•"/>
+            </a:pPr>
+            <a:r>
+              <a:rPr lang="en-IN" dirty="0">
+                <a:latin typeface="Cambria" pitchFamily="18" charset="0"/>
+              </a:rPr>
+              <a:t>If the route is an vacation Route, there is a reduction of FARE by  17% </a:t>
+            </a:r>
+          </a:p>
+          <a:p>
+            <a:pPr algn="just">
+              <a:buFont typeface="Arial" panose="020B0604020202020204" pitchFamily="34" charset="0"/>
+              <a:buChar char="•"/>
+            </a:pPr>
+            <a:r>
+              <a:rPr lang="en-IN" dirty="0">
+                <a:latin typeface="Cambria" pitchFamily="18" charset="0"/>
+              </a:rPr>
+              <a:t>If at the end airport the SLOT and GATE are Free  that in turn help in reducing the FARE by 12% and 14% respectively </a:t>
+            </a:r>
+          </a:p>
+          <a:p>
+            <a:pPr algn="just">
+              <a:buFont typeface="Arial" panose="020B0604020202020204" pitchFamily="34" charset="0"/>
+              <a:buChar char="•"/>
+            </a:pPr>
+            <a:r>
+              <a:rPr lang="en-IN" dirty="0">
+                <a:latin typeface="Cambria" pitchFamily="18" charset="0"/>
+              </a:rPr>
+              <a:t>For Distance – *the comparison is with the previous one in increase in fare –</a:t>
+            </a:r>
+          </a:p>
+          <a:p>
+            <a:pPr marL="0" indent="0" algn="just">
+              <a:buNone/>
+            </a:pPr>
+            <a:endParaRPr lang="en-IN" dirty="0">
+              <a:latin typeface="Cambria" pitchFamily="18" charset="0"/>
+            </a:endParaRPr>
+          </a:p>
+          <a:p>
+            <a:endParaRPr lang="en-IN" dirty="0"/>
+          </a:p>
+        </p:txBody>
+      </p:sp>
+      <p:graphicFrame>
+        <p:nvGraphicFramePr>
+          <p:cNvPr id="8" name="Table 7">
+            <a:extLst>
+              <a:ext uri="{FF2B5EF4-FFF2-40B4-BE49-F238E27FC236}">
+                <a16:creationId xmlns:a16="http://schemas.microsoft.com/office/drawing/2014/main" id="{BFDA6636-9DDD-4C6E-BA48-B28F3FAA5074}"/>
+              </a:ext>
+            </a:extLst>
+          </p:cNvPr>
+          <p:cNvGraphicFramePr>
+            <a:graphicFrameLocks noGrp="1"/>
+          </p:cNvGraphicFramePr>
+          <p:nvPr>
+            <p:extLst>
+              <p:ext uri="{D42A27DB-BD31-4B8C-83A1-F6EECF244321}">
+                <p14:modId xmlns:p14="http://schemas.microsoft.com/office/powerpoint/2010/main" val="3606763842"/>
+              </p:ext>
+            </p:extLst>
+          </p:nvPr>
+        </p:nvGraphicFramePr>
+        <p:xfrm>
+          <a:off x="2728906" y="4545495"/>
+          <a:ext cx="6732105" cy="2182720"/>
+        </p:xfrm>
+        <a:graphic>
+          <a:graphicData uri="http://schemas.openxmlformats.org/drawingml/2006/table">
+            <a:tbl>
+              <a:tblPr>
+                <a:tableStyleId>{10A1B5D5-9B99-4C35-A422-299274C87663}</a:tableStyleId>
+              </a:tblPr>
+              <a:tblGrid>
+                <a:gridCol w="1759351">
+                  <a:extLst>
+                    <a:ext uri="{9D8B030D-6E8A-4147-A177-3AD203B41FA5}">
+                      <a16:colId xmlns:a16="http://schemas.microsoft.com/office/drawing/2014/main" val="2098586418"/>
+                    </a:ext>
+                  </a:extLst>
+                </a:gridCol>
+                <a:gridCol w="1490274">
+                  <a:extLst>
+                    <a:ext uri="{9D8B030D-6E8A-4147-A177-3AD203B41FA5}">
+                      <a16:colId xmlns:a16="http://schemas.microsoft.com/office/drawing/2014/main" val="1904782724"/>
+                    </a:ext>
+                  </a:extLst>
+                </a:gridCol>
+                <a:gridCol w="2256109">
+                  <a:extLst>
+                    <a:ext uri="{9D8B030D-6E8A-4147-A177-3AD203B41FA5}">
+                      <a16:colId xmlns:a16="http://schemas.microsoft.com/office/drawing/2014/main" val="128412063"/>
+                    </a:ext>
+                  </a:extLst>
+                </a:gridCol>
+                <a:gridCol w="1226371">
+                  <a:extLst>
+                    <a:ext uri="{9D8B030D-6E8A-4147-A177-3AD203B41FA5}">
+                      <a16:colId xmlns:a16="http://schemas.microsoft.com/office/drawing/2014/main" val="3039393471"/>
+                    </a:ext>
+                  </a:extLst>
+                </a:gridCol>
+              </a:tblGrid>
+              <a:tr h="272840">
+                <a:tc>
+                  <a:txBody>
+                    <a:bodyPr/>
+                    <a:lstStyle/>
+                    <a:p>
+                      <a:pPr algn="ctr" fontAlgn="b"/>
+                      <a:r>
+                        <a:rPr lang="en-IN" sz="1600" u="none" strike="noStrike" dirty="0">
+                          <a:effectLst/>
+                        </a:rPr>
+                        <a:t>Distance in miles</a:t>
+                      </a:r>
+                      <a:endParaRPr lang="en-IN" sz="1600" b="1" i="0" u="none" strike="noStrike" dirty="0">
+                        <a:solidFill>
+                          <a:srgbClr val="000000"/>
+                        </a:solidFill>
+                        <a:effectLst/>
+                        <a:latin typeface="Calibri" panose="020F0502020204030204" pitchFamily="34" charset="0"/>
+                      </a:endParaRPr>
+                    </a:p>
+                  </a:txBody>
+                  <a:tcPr marL="9525" marR="9525" marT="9525" marB="0" anchor="b"/>
+                </a:tc>
+                <a:tc>
+                  <a:txBody>
+                    <a:bodyPr/>
+                    <a:lstStyle/>
+                    <a:p>
+                      <a:pPr algn="ctr" fontAlgn="b"/>
+                      <a:r>
+                        <a:rPr lang="en-IN" sz="1600" u="none" strike="noStrike" dirty="0">
+                          <a:effectLst/>
+                        </a:rPr>
+                        <a:t>FARE*</a:t>
+                      </a:r>
+                      <a:endParaRPr lang="en-IN" sz="1600" b="1" i="0" u="none" strike="noStrike" dirty="0">
+                        <a:solidFill>
+                          <a:srgbClr val="000000"/>
+                        </a:solidFill>
+                        <a:effectLst/>
+                        <a:latin typeface="Calibri" panose="020F0502020204030204" pitchFamily="34" charset="0"/>
+                      </a:endParaRPr>
+                    </a:p>
+                  </a:txBody>
+                  <a:tcPr marL="9525" marR="9525" marT="9525" marB="0" anchor="b"/>
+                </a:tc>
+                <a:tc>
+                  <a:txBody>
+                    <a:bodyPr/>
+                    <a:lstStyle/>
+                    <a:p>
+                      <a:pPr algn="ctr" fontAlgn="b"/>
+                      <a:r>
+                        <a:rPr lang="en-IN" sz="1600" u="none" strike="noStrike">
+                          <a:effectLst/>
+                        </a:rPr>
+                        <a:t>Increase in Fare </a:t>
+                      </a:r>
+                      <a:endParaRPr lang="en-IN" sz="1600" b="1" i="0" u="none" strike="noStrike">
+                        <a:solidFill>
+                          <a:srgbClr val="000000"/>
+                        </a:solidFill>
+                        <a:effectLst/>
+                        <a:latin typeface="Calibri" panose="020F0502020204030204" pitchFamily="34" charset="0"/>
+                      </a:endParaRPr>
+                    </a:p>
+                  </a:txBody>
+                  <a:tcPr marL="9525" marR="9525" marT="9525" marB="0" anchor="b"/>
+                </a:tc>
+                <a:tc>
+                  <a:txBody>
+                    <a:bodyPr/>
+                    <a:lstStyle/>
+                    <a:p>
+                      <a:pPr algn="ctr" fontAlgn="b"/>
+                      <a:r>
+                        <a:rPr lang="en-IN" sz="1600" u="none" strike="noStrike">
+                          <a:effectLst/>
+                        </a:rPr>
+                        <a:t>Remarks</a:t>
+                      </a:r>
+                      <a:endParaRPr lang="en-IN" sz="1600" b="1" i="0" u="none" strike="noStrike">
+                        <a:solidFill>
+                          <a:srgbClr val="000000"/>
+                        </a:solidFill>
+                        <a:effectLst/>
+                        <a:latin typeface="Calibri" panose="020F0502020204030204" pitchFamily="34" charset="0"/>
+                      </a:endParaRPr>
+                    </a:p>
+                  </a:txBody>
+                  <a:tcPr marL="9525" marR="9525" marT="9525" marB="0" anchor="b"/>
+                </a:tc>
+                <a:extLst>
+                  <a:ext uri="{0D108BD9-81ED-4DB2-BD59-A6C34878D82A}">
+                    <a16:rowId xmlns:a16="http://schemas.microsoft.com/office/drawing/2014/main" val="1788308548"/>
+                  </a:ext>
+                </a:extLst>
+              </a:tr>
+              <a:tr h="272840">
+                <a:tc>
+                  <a:txBody>
+                    <a:bodyPr/>
+                    <a:lstStyle/>
+                    <a:p>
+                      <a:pPr algn="ctr" fontAlgn="b"/>
+                      <a:r>
+                        <a:rPr lang="en-IN" sz="1600" u="none" strike="noStrike">
+                          <a:effectLst/>
+                        </a:rPr>
+                        <a:t>114</a:t>
+                      </a:r>
+                      <a:endParaRPr lang="en-IN" sz="1600" b="0" i="0" u="none" strike="noStrike">
+                        <a:solidFill>
+                          <a:srgbClr val="000000"/>
+                        </a:solidFill>
+                        <a:effectLst/>
+                        <a:latin typeface="Calibri" panose="020F0502020204030204" pitchFamily="34" charset="0"/>
+                      </a:endParaRPr>
+                    </a:p>
+                  </a:txBody>
+                  <a:tcPr marL="9525" marR="9525" marT="9525" marB="0" anchor="b"/>
+                </a:tc>
+                <a:tc>
+                  <a:txBody>
+                    <a:bodyPr/>
+                    <a:lstStyle/>
+                    <a:p>
+                      <a:pPr algn="ctr" fontAlgn="b"/>
+                      <a:r>
+                        <a:rPr lang="en-IN" sz="1600" u="none" strike="noStrike" dirty="0">
+                          <a:effectLst/>
+                        </a:rPr>
+                        <a:t>100</a:t>
+                      </a:r>
+                      <a:endParaRPr lang="en-IN" sz="1600" b="0" i="0" u="none" strike="noStrike" dirty="0">
+                        <a:solidFill>
+                          <a:srgbClr val="000000"/>
+                        </a:solidFill>
+                        <a:effectLst/>
+                        <a:latin typeface="Calibri" panose="020F0502020204030204" pitchFamily="34" charset="0"/>
+                      </a:endParaRPr>
+                    </a:p>
+                  </a:txBody>
+                  <a:tcPr marL="9525" marR="9525" marT="9525" marB="0" anchor="b"/>
+                </a:tc>
+                <a:tc>
+                  <a:txBody>
+                    <a:bodyPr/>
+                    <a:lstStyle/>
+                    <a:p>
+                      <a:pPr algn="ctr" fontAlgn="b"/>
+                      <a:r>
+                        <a:rPr lang="en-IN" sz="1600" u="none" strike="noStrike" dirty="0">
+                          <a:effectLst/>
+                        </a:rPr>
+                        <a:t>Base Fare Comparison</a:t>
+                      </a:r>
+                      <a:endParaRPr lang="en-IN" sz="1600" b="0" i="0" u="none" strike="noStrike" dirty="0">
+                        <a:solidFill>
+                          <a:srgbClr val="000000"/>
+                        </a:solidFill>
+                        <a:effectLst/>
+                        <a:latin typeface="Calibri" panose="020F0502020204030204" pitchFamily="34" charset="0"/>
+                      </a:endParaRPr>
+                    </a:p>
+                  </a:txBody>
+                  <a:tcPr marL="9525" marR="9525" marT="9525" marB="0" anchor="b"/>
+                </a:tc>
+                <a:tc>
+                  <a:txBody>
+                    <a:bodyPr/>
+                    <a:lstStyle/>
+                    <a:p>
+                      <a:pPr algn="ctr" fontAlgn="b"/>
+                      <a:r>
+                        <a:rPr lang="en-IN" sz="1600" u="none" strike="noStrike">
+                          <a:effectLst/>
+                        </a:rPr>
+                        <a:t>Minimum</a:t>
+                      </a:r>
+                      <a:endParaRPr lang="en-IN" sz="1600" b="0" i="0" u="none" strike="noStrike">
+                        <a:solidFill>
+                          <a:srgbClr val="000000"/>
+                        </a:solidFill>
+                        <a:effectLst/>
+                        <a:latin typeface="Calibri" panose="020F0502020204030204" pitchFamily="34" charset="0"/>
+                      </a:endParaRPr>
+                    </a:p>
+                  </a:txBody>
+                  <a:tcPr marL="9525" marR="9525" marT="9525" marB="0" anchor="b"/>
+                </a:tc>
+                <a:extLst>
+                  <a:ext uri="{0D108BD9-81ED-4DB2-BD59-A6C34878D82A}">
+                    <a16:rowId xmlns:a16="http://schemas.microsoft.com/office/drawing/2014/main" val="2093437229"/>
+                  </a:ext>
+                </a:extLst>
+              </a:tr>
+              <a:tr h="272840">
+                <a:tc>
+                  <a:txBody>
+                    <a:bodyPr/>
+                    <a:lstStyle/>
+                    <a:p>
+                      <a:pPr algn="ctr" fontAlgn="b"/>
+                      <a:r>
+                        <a:rPr lang="en-IN" sz="1600" u="none" strike="noStrike">
+                          <a:effectLst/>
+                        </a:rPr>
+                        <a:t>164</a:t>
+                      </a:r>
+                      <a:endParaRPr lang="en-IN" sz="1600" b="0" i="0" u="none" strike="noStrike">
+                        <a:solidFill>
+                          <a:srgbClr val="000000"/>
+                        </a:solidFill>
+                        <a:effectLst/>
+                        <a:latin typeface="Calibri" panose="020F0502020204030204" pitchFamily="34" charset="0"/>
+                      </a:endParaRPr>
+                    </a:p>
+                  </a:txBody>
+                  <a:tcPr marL="9525" marR="9525" marT="9525" marB="0" anchor="b"/>
+                </a:tc>
+                <a:tc>
+                  <a:txBody>
+                    <a:bodyPr/>
+                    <a:lstStyle/>
+                    <a:p>
+                      <a:pPr algn="ctr" fontAlgn="b"/>
+                      <a:r>
+                        <a:rPr lang="en-IN" sz="1600" u="none" strike="noStrike">
+                          <a:effectLst/>
+                        </a:rPr>
+                        <a:t>119.9415062</a:t>
+                      </a:r>
+                      <a:endParaRPr lang="en-IN" sz="1600" b="0" i="0" u="none" strike="noStrike">
+                        <a:solidFill>
+                          <a:srgbClr val="000000"/>
+                        </a:solidFill>
+                        <a:effectLst/>
+                        <a:latin typeface="Calibri" panose="020F0502020204030204" pitchFamily="34" charset="0"/>
+                      </a:endParaRPr>
+                    </a:p>
+                  </a:txBody>
+                  <a:tcPr marL="9525" marR="9525" marT="9525" marB="0" anchor="b"/>
+                </a:tc>
+                <a:tc>
+                  <a:txBody>
+                    <a:bodyPr/>
+                    <a:lstStyle/>
+                    <a:p>
+                      <a:pPr algn="ctr" fontAlgn="b"/>
+                      <a:r>
+                        <a:rPr lang="en-IN" sz="1600" u="none" strike="noStrike" dirty="0">
+                          <a:effectLst/>
+                        </a:rPr>
+                        <a:t>19%</a:t>
+                      </a:r>
+                      <a:endParaRPr lang="en-IN" sz="1600" b="0" i="0" u="none" strike="noStrike" dirty="0">
+                        <a:solidFill>
+                          <a:srgbClr val="000000"/>
+                        </a:solidFill>
+                        <a:effectLst/>
+                        <a:latin typeface="Calibri" panose="020F0502020204030204" pitchFamily="34" charset="0"/>
+                      </a:endParaRPr>
+                    </a:p>
+                  </a:txBody>
+                  <a:tcPr marL="9525" marR="9525" marT="9525" marB="0" anchor="b"/>
+                </a:tc>
+                <a:tc>
+                  <a:txBody>
+                    <a:bodyPr/>
+                    <a:lstStyle/>
+                    <a:p>
+                      <a:pPr algn="ctr" fontAlgn="b"/>
+                      <a:r>
+                        <a:rPr lang="en-IN" sz="1600" u="none" strike="noStrike">
+                          <a:effectLst/>
+                        </a:rPr>
+                        <a:t> </a:t>
+                      </a:r>
+                      <a:endParaRPr lang="en-IN" sz="1600" b="0" i="0" u="none" strike="noStrike">
+                        <a:solidFill>
+                          <a:srgbClr val="000000"/>
+                        </a:solidFill>
+                        <a:effectLst/>
+                        <a:latin typeface="Calibri" panose="020F0502020204030204" pitchFamily="34" charset="0"/>
+                      </a:endParaRPr>
+                    </a:p>
+                  </a:txBody>
+                  <a:tcPr marL="9525" marR="9525" marT="9525" marB="0" anchor="b"/>
+                </a:tc>
+                <a:extLst>
+                  <a:ext uri="{0D108BD9-81ED-4DB2-BD59-A6C34878D82A}">
+                    <a16:rowId xmlns:a16="http://schemas.microsoft.com/office/drawing/2014/main" val="1540837461"/>
+                  </a:ext>
+                </a:extLst>
+              </a:tr>
+              <a:tr h="272840">
+                <a:tc>
+                  <a:txBody>
+                    <a:bodyPr/>
+                    <a:lstStyle/>
+                    <a:p>
+                      <a:pPr algn="ctr" fontAlgn="b"/>
+                      <a:r>
+                        <a:rPr lang="en-IN" sz="1600" u="none" strike="noStrike">
+                          <a:effectLst/>
+                        </a:rPr>
+                        <a:t>214</a:t>
+                      </a:r>
+                      <a:endParaRPr lang="en-IN" sz="1600" b="0" i="0" u="none" strike="noStrike">
+                        <a:solidFill>
+                          <a:srgbClr val="000000"/>
+                        </a:solidFill>
+                        <a:effectLst/>
+                        <a:latin typeface="Calibri" panose="020F0502020204030204" pitchFamily="34" charset="0"/>
+                      </a:endParaRPr>
+                    </a:p>
+                  </a:txBody>
+                  <a:tcPr marL="9525" marR="9525" marT="9525" marB="0" anchor="b"/>
+                </a:tc>
+                <a:tc>
+                  <a:txBody>
+                    <a:bodyPr/>
+                    <a:lstStyle/>
+                    <a:p>
+                      <a:pPr algn="ctr" fontAlgn="b"/>
+                      <a:r>
+                        <a:rPr lang="en-IN" sz="1600" u="none" strike="noStrike">
+                          <a:effectLst/>
+                        </a:rPr>
+                        <a:t>114.2312588</a:t>
+                      </a:r>
+                      <a:endParaRPr lang="en-IN" sz="1600" b="0" i="0" u="none" strike="noStrike">
+                        <a:solidFill>
+                          <a:srgbClr val="000000"/>
+                        </a:solidFill>
+                        <a:effectLst/>
+                        <a:latin typeface="Calibri" panose="020F0502020204030204" pitchFamily="34" charset="0"/>
+                      </a:endParaRPr>
+                    </a:p>
+                  </a:txBody>
+                  <a:tcPr marL="9525" marR="9525" marT="9525" marB="0" anchor="b"/>
+                </a:tc>
+                <a:tc>
+                  <a:txBody>
+                    <a:bodyPr/>
+                    <a:lstStyle/>
+                    <a:p>
+                      <a:pPr algn="ctr" fontAlgn="b"/>
+                      <a:r>
+                        <a:rPr lang="en-IN" sz="1600" u="none" strike="noStrike" dirty="0">
+                          <a:effectLst/>
+                        </a:rPr>
+                        <a:t>14%</a:t>
+                      </a:r>
+                      <a:endParaRPr lang="en-IN" sz="1600" b="0" i="0" u="none" strike="noStrike" dirty="0">
+                        <a:solidFill>
+                          <a:srgbClr val="000000"/>
+                        </a:solidFill>
+                        <a:effectLst/>
+                        <a:latin typeface="Calibri" panose="020F0502020204030204" pitchFamily="34" charset="0"/>
+                      </a:endParaRPr>
+                    </a:p>
+                  </a:txBody>
+                  <a:tcPr marL="9525" marR="9525" marT="9525" marB="0" anchor="b"/>
+                </a:tc>
+                <a:tc>
+                  <a:txBody>
+                    <a:bodyPr/>
+                    <a:lstStyle/>
+                    <a:p>
+                      <a:pPr algn="ctr" fontAlgn="b"/>
+                      <a:r>
+                        <a:rPr lang="en-IN" sz="1600" u="none" strike="noStrike">
+                          <a:effectLst/>
+                        </a:rPr>
+                        <a:t> </a:t>
+                      </a:r>
+                      <a:endParaRPr lang="en-IN" sz="1600" b="0" i="0" u="none" strike="noStrike">
+                        <a:solidFill>
+                          <a:srgbClr val="000000"/>
+                        </a:solidFill>
+                        <a:effectLst/>
+                        <a:latin typeface="Calibri" panose="020F0502020204030204" pitchFamily="34" charset="0"/>
+                      </a:endParaRPr>
+                    </a:p>
+                  </a:txBody>
+                  <a:tcPr marL="9525" marR="9525" marT="9525" marB="0" anchor="b"/>
+                </a:tc>
+                <a:extLst>
+                  <a:ext uri="{0D108BD9-81ED-4DB2-BD59-A6C34878D82A}">
+                    <a16:rowId xmlns:a16="http://schemas.microsoft.com/office/drawing/2014/main" val="1484467922"/>
+                  </a:ext>
+                </a:extLst>
+              </a:tr>
+              <a:tr h="272840">
+                <a:tc>
+                  <a:txBody>
+                    <a:bodyPr/>
+                    <a:lstStyle/>
+                    <a:p>
+                      <a:pPr algn="ctr" fontAlgn="b"/>
+                      <a:r>
+                        <a:rPr lang="en-IN" sz="1600" u="none" strike="noStrike">
+                          <a:effectLst/>
+                        </a:rPr>
+                        <a:t>314</a:t>
+                      </a:r>
+                      <a:endParaRPr lang="en-IN" sz="1600" b="0" i="0" u="none" strike="noStrike">
+                        <a:solidFill>
+                          <a:srgbClr val="000000"/>
+                        </a:solidFill>
+                        <a:effectLst/>
+                        <a:latin typeface="Calibri" panose="020F0502020204030204" pitchFamily="34" charset="0"/>
+                      </a:endParaRPr>
+                    </a:p>
+                  </a:txBody>
+                  <a:tcPr marL="9525" marR="9525" marT="9525" marB="0" anchor="b"/>
+                </a:tc>
+                <a:tc>
+                  <a:txBody>
+                    <a:bodyPr/>
+                    <a:lstStyle/>
+                    <a:p>
+                      <a:pPr algn="ctr" fontAlgn="b"/>
+                      <a:r>
+                        <a:rPr lang="en-IN" sz="1600" u="none" strike="noStrike">
+                          <a:effectLst/>
+                        </a:rPr>
+                        <a:t>121.1317349</a:t>
+                      </a:r>
+                      <a:endParaRPr lang="en-IN" sz="1600" b="0" i="0" u="none" strike="noStrike">
+                        <a:solidFill>
+                          <a:srgbClr val="000000"/>
+                        </a:solidFill>
+                        <a:effectLst/>
+                        <a:latin typeface="Calibri" panose="020F0502020204030204" pitchFamily="34" charset="0"/>
+                      </a:endParaRPr>
+                    </a:p>
+                  </a:txBody>
+                  <a:tcPr marL="9525" marR="9525" marT="9525" marB="0" anchor="b"/>
+                </a:tc>
+                <a:tc>
+                  <a:txBody>
+                    <a:bodyPr/>
+                    <a:lstStyle/>
+                    <a:p>
+                      <a:pPr algn="ctr" fontAlgn="b"/>
+                      <a:r>
+                        <a:rPr lang="en-IN" sz="1600" u="none" strike="noStrike" dirty="0">
+                          <a:effectLst/>
+                        </a:rPr>
+                        <a:t>21%</a:t>
+                      </a:r>
+                      <a:endParaRPr lang="en-IN" sz="1600" b="0" i="0" u="none" strike="noStrike" dirty="0">
+                        <a:solidFill>
+                          <a:srgbClr val="000000"/>
+                        </a:solidFill>
+                        <a:effectLst/>
+                        <a:latin typeface="Calibri" panose="020F0502020204030204" pitchFamily="34" charset="0"/>
+                      </a:endParaRPr>
+                    </a:p>
+                  </a:txBody>
+                  <a:tcPr marL="9525" marR="9525" marT="9525" marB="0" anchor="b"/>
+                </a:tc>
+                <a:tc>
+                  <a:txBody>
+                    <a:bodyPr/>
+                    <a:lstStyle/>
+                    <a:p>
+                      <a:pPr algn="ctr" fontAlgn="b"/>
+                      <a:r>
+                        <a:rPr lang="en-IN" sz="1600" u="none" strike="noStrike">
+                          <a:effectLst/>
+                        </a:rPr>
+                        <a:t> </a:t>
+                      </a:r>
+                      <a:endParaRPr lang="en-IN" sz="1600" b="0" i="0" u="none" strike="noStrike">
+                        <a:solidFill>
+                          <a:srgbClr val="000000"/>
+                        </a:solidFill>
+                        <a:effectLst/>
+                        <a:latin typeface="Calibri" panose="020F0502020204030204" pitchFamily="34" charset="0"/>
+                      </a:endParaRPr>
+                    </a:p>
+                  </a:txBody>
+                  <a:tcPr marL="9525" marR="9525" marT="9525" marB="0" anchor="b"/>
+                </a:tc>
+                <a:extLst>
+                  <a:ext uri="{0D108BD9-81ED-4DB2-BD59-A6C34878D82A}">
+                    <a16:rowId xmlns:a16="http://schemas.microsoft.com/office/drawing/2014/main" val="1583104391"/>
+                  </a:ext>
+                </a:extLst>
+              </a:tr>
+              <a:tr h="272840">
+                <a:tc>
+                  <a:txBody>
+                    <a:bodyPr/>
+                    <a:lstStyle/>
+                    <a:p>
+                      <a:pPr algn="ctr" fontAlgn="b"/>
+                      <a:r>
+                        <a:rPr lang="en-IN" sz="1600" u="none" strike="noStrike">
+                          <a:effectLst/>
+                        </a:rPr>
+                        <a:t>514</a:t>
+                      </a:r>
+                      <a:endParaRPr lang="en-IN" sz="1600" b="0" i="0" u="none" strike="noStrike">
+                        <a:solidFill>
+                          <a:srgbClr val="000000"/>
+                        </a:solidFill>
+                        <a:effectLst/>
+                        <a:latin typeface="Calibri" panose="020F0502020204030204" pitchFamily="34" charset="0"/>
+                      </a:endParaRPr>
+                    </a:p>
+                  </a:txBody>
+                  <a:tcPr marL="9525" marR="9525" marT="9525" marB="0" anchor="b"/>
+                </a:tc>
+                <a:tc>
+                  <a:txBody>
+                    <a:bodyPr/>
+                    <a:lstStyle/>
+                    <a:p>
+                      <a:pPr algn="ctr" fontAlgn="b"/>
+                      <a:r>
+                        <a:rPr lang="en-IN" sz="1600" u="none" strike="noStrike">
+                          <a:effectLst/>
+                        </a:rPr>
+                        <a:t>127.9430606</a:t>
+                      </a:r>
+                      <a:endParaRPr lang="en-IN" sz="1600" b="0" i="0" u="none" strike="noStrike">
+                        <a:solidFill>
+                          <a:srgbClr val="000000"/>
+                        </a:solidFill>
+                        <a:effectLst/>
+                        <a:latin typeface="Calibri" panose="020F0502020204030204" pitchFamily="34" charset="0"/>
+                      </a:endParaRPr>
+                    </a:p>
+                  </a:txBody>
+                  <a:tcPr marL="9525" marR="9525" marT="9525" marB="0" anchor="b"/>
+                </a:tc>
+                <a:tc>
+                  <a:txBody>
+                    <a:bodyPr/>
+                    <a:lstStyle/>
+                    <a:p>
+                      <a:pPr algn="ctr" fontAlgn="b"/>
+                      <a:r>
+                        <a:rPr lang="en-IN" sz="1600" u="none" strike="noStrike" dirty="0">
+                          <a:effectLst/>
+                        </a:rPr>
+                        <a:t>27%</a:t>
+                      </a:r>
+                      <a:endParaRPr lang="en-IN" sz="1600" b="0" i="0" u="none" strike="noStrike" dirty="0">
+                        <a:solidFill>
+                          <a:srgbClr val="000000"/>
+                        </a:solidFill>
+                        <a:effectLst/>
+                        <a:latin typeface="Calibri" panose="020F0502020204030204" pitchFamily="34" charset="0"/>
+                      </a:endParaRPr>
+                    </a:p>
+                  </a:txBody>
+                  <a:tcPr marL="9525" marR="9525" marT="9525" marB="0" anchor="b"/>
+                </a:tc>
+                <a:tc>
+                  <a:txBody>
+                    <a:bodyPr/>
+                    <a:lstStyle/>
+                    <a:p>
+                      <a:pPr algn="ctr" fontAlgn="b"/>
+                      <a:r>
+                        <a:rPr lang="en-IN" sz="1600" u="none" strike="noStrike" dirty="0">
+                          <a:effectLst/>
+                        </a:rPr>
+                        <a:t> </a:t>
+                      </a:r>
+                      <a:endParaRPr lang="en-IN" sz="1600" b="0" i="0" u="none" strike="noStrike" dirty="0">
+                        <a:solidFill>
+                          <a:srgbClr val="000000"/>
+                        </a:solidFill>
+                        <a:effectLst/>
+                        <a:latin typeface="Calibri" panose="020F0502020204030204" pitchFamily="34" charset="0"/>
+                      </a:endParaRPr>
+                    </a:p>
+                  </a:txBody>
+                  <a:tcPr marL="9525" marR="9525" marT="9525" marB="0" anchor="b"/>
+                </a:tc>
+                <a:extLst>
+                  <a:ext uri="{0D108BD9-81ED-4DB2-BD59-A6C34878D82A}">
+                    <a16:rowId xmlns:a16="http://schemas.microsoft.com/office/drawing/2014/main" val="3342986947"/>
+                  </a:ext>
+                </a:extLst>
+              </a:tr>
+              <a:tr h="272840">
+                <a:tc>
+                  <a:txBody>
+                    <a:bodyPr/>
+                    <a:lstStyle/>
+                    <a:p>
+                      <a:pPr algn="ctr" fontAlgn="b"/>
+                      <a:r>
+                        <a:rPr lang="en-IN" sz="1600" u="none" strike="noStrike">
+                          <a:effectLst/>
+                        </a:rPr>
+                        <a:t>914</a:t>
+                      </a:r>
+                      <a:endParaRPr lang="en-IN" sz="1600" b="0" i="0" u="none" strike="noStrike">
+                        <a:solidFill>
+                          <a:srgbClr val="000000"/>
+                        </a:solidFill>
+                        <a:effectLst/>
+                        <a:latin typeface="Calibri" panose="020F0502020204030204" pitchFamily="34" charset="0"/>
+                      </a:endParaRPr>
+                    </a:p>
+                  </a:txBody>
+                  <a:tcPr marL="9525" marR="9525" marT="9525" marB="0" anchor="b"/>
+                </a:tc>
+                <a:tc>
+                  <a:txBody>
+                    <a:bodyPr/>
+                    <a:lstStyle/>
+                    <a:p>
+                      <a:pPr algn="ctr" fontAlgn="b"/>
+                      <a:r>
+                        <a:rPr lang="en-IN" sz="1600" u="none" strike="noStrike">
+                          <a:effectLst/>
+                        </a:rPr>
+                        <a:t>133.3495451</a:t>
+                      </a:r>
+                      <a:endParaRPr lang="en-IN" sz="1600" b="0" i="0" u="none" strike="noStrike">
+                        <a:solidFill>
+                          <a:srgbClr val="000000"/>
+                        </a:solidFill>
+                        <a:effectLst/>
+                        <a:latin typeface="Calibri" panose="020F0502020204030204" pitchFamily="34" charset="0"/>
+                      </a:endParaRPr>
+                    </a:p>
+                  </a:txBody>
+                  <a:tcPr marL="9525" marR="9525" marT="9525" marB="0" anchor="b"/>
+                </a:tc>
+                <a:tc>
+                  <a:txBody>
+                    <a:bodyPr/>
+                    <a:lstStyle/>
+                    <a:p>
+                      <a:pPr algn="ctr" fontAlgn="b"/>
+                      <a:r>
+                        <a:rPr lang="en-IN" sz="1600" u="none" strike="noStrike" dirty="0">
+                          <a:effectLst/>
+                        </a:rPr>
+                        <a:t>33%</a:t>
+                      </a:r>
+                      <a:endParaRPr lang="en-IN" sz="1600" b="0" i="0" u="none" strike="noStrike" dirty="0">
+                        <a:solidFill>
+                          <a:srgbClr val="000000"/>
+                        </a:solidFill>
+                        <a:effectLst/>
+                        <a:latin typeface="Calibri" panose="020F0502020204030204" pitchFamily="34" charset="0"/>
+                      </a:endParaRPr>
+                    </a:p>
+                  </a:txBody>
+                  <a:tcPr marL="9525" marR="9525" marT="9525" marB="0" anchor="b"/>
+                </a:tc>
+                <a:tc>
+                  <a:txBody>
+                    <a:bodyPr/>
+                    <a:lstStyle/>
+                    <a:p>
+                      <a:pPr algn="ctr" fontAlgn="b"/>
+                      <a:r>
+                        <a:rPr lang="en-IN" sz="1600" u="none" strike="noStrike" dirty="0">
+                          <a:effectLst/>
+                        </a:rPr>
+                        <a:t> </a:t>
+                      </a:r>
+                      <a:endParaRPr lang="en-IN" sz="1600" b="0" i="0" u="none" strike="noStrike" dirty="0">
+                        <a:solidFill>
+                          <a:srgbClr val="000000"/>
+                        </a:solidFill>
+                        <a:effectLst/>
+                        <a:latin typeface="Calibri" panose="020F0502020204030204" pitchFamily="34" charset="0"/>
+                      </a:endParaRPr>
+                    </a:p>
+                  </a:txBody>
+                  <a:tcPr marL="9525" marR="9525" marT="9525" marB="0" anchor="b"/>
+                </a:tc>
+                <a:extLst>
+                  <a:ext uri="{0D108BD9-81ED-4DB2-BD59-A6C34878D82A}">
+                    <a16:rowId xmlns:a16="http://schemas.microsoft.com/office/drawing/2014/main" val="214144492"/>
+                  </a:ext>
+                </a:extLst>
+              </a:tr>
+              <a:tr h="272840">
+                <a:tc>
+                  <a:txBody>
+                    <a:bodyPr/>
+                    <a:lstStyle/>
+                    <a:p>
+                      <a:pPr algn="ctr" fontAlgn="b"/>
+                      <a:r>
+                        <a:rPr lang="en-IN" sz="1600" u="none" strike="noStrike">
+                          <a:effectLst/>
+                        </a:rPr>
+                        <a:t>2764</a:t>
+                      </a:r>
+                      <a:endParaRPr lang="en-IN" sz="1600" b="0" i="0" u="none" strike="noStrike">
+                        <a:solidFill>
+                          <a:srgbClr val="000000"/>
+                        </a:solidFill>
+                        <a:effectLst/>
+                        <a:latin typeface="Calibri" panose="020F0502020204030204" pitchFamily="34" charset="0"/>
+                      </a:endParaRPr>
+                    </a:p>
+                  </a:txBody>
+                  <a:tcPr marL="9525" marR="9525" marT="9525" marB="0" anchor="b"/>
+                </a:tc>
+                <a:tc>
+                  <a:txBody>
+                    <a:bodyPr/>
+                    <a:lstStyle/>
+                    <a:p>
+                      <a:pPr algn="ctr" fontAlgn="b"/>
+                      <a:r>
+                        <a:rPr lang="en-IN" sz="1600" u="none" strike="noStrike">
+                          <a:effectLst/>
+                        </a:rPr>
+                        <a:t>173.8985343</a:t>
+                      </a:r>
+                      <a:endParaRPr lang="en-IN" sz="1600" b="0" i="0" u="none" strike="noStrike">
+                        <a:solidFill>
+                          <a:srgbClr val="000000"/>
+                        </a:solidFill>
+                        <a:effectLst/>
+                        <a:latin typeface="Calibri" panose="020F0502020204030204" pitchFamily="34" charset="0"/>
+                      </a:endParaRPr>
+                    </a:p>
+                  </a:txBody>
+                  <a:tcPr marL="9525" marR="9525" marT="9525" marB="0" anchor="b"/>
+                </a:tc>
+                <a:tc>
+                  <a:txBody>
+                    <a:bodyPr/>
+                    <a:lstStyle/>
+                    <a:p>
+                      <a:pPr algn="ctr" fontAlgn="b"/>
+                      <a:r>
+                        <a:rPr lang="en-IN" sz="1600" u="none" strike="noStrike" dirty="0">
+                          <a:effectLst/>
+                        </a:rPr>
+                        <a:t>73%</a:t>
+                      </a:r>
+                      <a:endParaRPr lang="en-IN" sz="1600" b="0" i="0" u="none" strike="noStrike" dirty="0">
+                        <a:solidFill>
+                          <a:srgbClr val="000000"/>
+                        </a:solidFill>
+                        <a:effectLst/>
+                        <a:latin typeface="Calibri" panose="020F0502020204030204" pitchFamily="34" charset="0"/>
+                      </a:endParaRPr>
+                    </a:p>
+                  </a:txBody>
+                  <a:tcPr marL="9525" marR="9525" marT="9525" marB="0" anchor="b"/>
+                </a:tc>
+                <a:tc>
+                  <a:txBody>
+                    <a:bodyPr/>
+                    <a:lstStyle/>
+                    <a:p>
+                      <a:pPr algn="ctr" fontAlgn="b"/>
+                      <a:r>
+                        <a:rPr lang="en-IN" sz="1600" u="none" strike="noStrike" dirty="0">
+                          <a:effectLst/>
+                        </a:rPr>
+                        <a:t>Maximum</a:t>
+                      </a:r>
+                      <a:endParaRPr lang="en-IN" sz="1600" b="0" i="0" u="none" strike="noStrike" dirty="0">
+                        <a:solidFill>
+                          <a:srgbClr val="000000"/>
+                        </a:solidFill>
+                        <a:effectLst/>
+                        <a:latin typeface="Calibri" panose="020F0502020204030204" pitchFamily="34" charset="0"/>
+                      </a:endParaRPr>
+                    </a:p>
+                  </a:txBody>
+                  <a:tcPr marL="9525" marR="9525" marT="9525" marB="0" anchor="b"/>
+                </a:tc>
+                <a:extLst>
+                  <a:ext uri="{0D108BD9-81ED-4DB2-BD59-A6C34878D82A}">
+                    <a16:rowId xmlns:a16="http://schemas.microsoft.com/office/drawing/2014/main" val="3634373141"/>
+                  </a:ext>
+                </a:extLst>
+              </a:tr>
+            </a:tbl>
+          </a:graphicData>
+        </a:graphic>
+      </p:graphicFrame>
+    </p:spTree>
+    <p:extLst>
+      <p:ext uri="{BB962C8B-B14F-4D97-AF65-F5344CB8AC3E}">
+        <p14:creationId xmlns:p14="http://schemas.microsoft.com/office/powerpoint/2010/main" val="3150629914"/>
+      </p:ext>
+    </p:extLst>
+  </p:cSld>
+  <p:clrMapOvr>
+    <a:masterClrMapping/>
+  </p:clrMapOvr>
+</p:sld>
+</file>
+
 <file path=ppt/theme/theme1.xml><?xml version="1.0" encoding="utf-8"?>
 <a:theme xmlns:a="http://schemas.openxmlformats.org/drawingml/2006/main" name="Banded">
   <a:themeElements>

--- a/ISB_SA2_Tutorials.pptx
+++ b/ISB_SA2_Tutorials.pptx
@@ -294,7 +294,7 @@
           <a:p>
             <a:fld id="{96DFF08F-DC6B-4601-B491-B0F83F6DD2DA}" type="datetimeFigureOut">
               <a:rPr lang="en-US" dirty="0"/>
-              <a:t>2/9/2018</a:t>
+              <a:t>2/10/2018</a:t>
             </a:fld>
             <a:endParaRPr lang="en-US" dirty="0"/>
           </a:p>
@@ -459,7 +459,7 @@
           <a:p>
             <a:fld id="{96DFF08F-DC6B-4601-B491-B0F83F6DD2DA}" type="datetimeFigureOut">
               <a:rPr lang="en-US" dirty="0"/>
-              <a:t>2/9/2018</a:t>
+              <a:t>2/10/2018</a:t>
             </a:fld>
             <a:endParaRPr lang="en-US" dirty="0"/>
           </a:p>
@@ -677,7 +677,7 @@
           <a:p>
             <a:fld id="{96DFF08F-DC6B-4601-B491-B0F83F6DD2DA}" type="datetimeFigureOut">
               <a:rPr lang="en-US" dirty="0"/>
-              <a:t>2/9/2018</a:t>
+              <a:t>2/10/2018</a:t>
             </a:fld>
             <a:endParaRPr lang="en-US" dirty="0"/>
           </a:p>
@@ -852,7 +852,7 @@
           <a:p>
             <a:fld id="{96DFF08F-DC6B-4601-B491-B0F83F6DD2DA}" type="datetimeFigureOut">
               <a:rPr lang="en-US" dirty="0"/>
-              <a:t>2/9/2018</a:t>
+              <a:t>2/10/2018</a:t>
             </a:fld>
             <a:endParaRPr lang="en-US" dirty="0"/>
           </a:p>
@@ -1154,7 +1154,7 @@
             <a:fld id="{96DFF08F-DC6B-4601-B491-B0F83F6DD2DA}" type="datetimeFigureOut">
               <a:rPr lang="en-US" dirty="0"/>
               <a:pPr/>
-              <a:t>2/9/2018</a:t>
+              <a:t>2/10/2018</a:t>
             </a:fld>
             <a:endParaRPr lang="en-US" dirty="0"/>
           </a:p>
@@ -1454,7 +1454,7 @@
           <a:p>
             <a:fld id="{96DFF08F-DC6B-4601-B491-B0F83F6DD2DA}" type="datetimeFigureOut">
               <a:rPr lang="en-US" dirty="0"/>
-              <a:t>2/9/2018</a:t>
+              <a:t>2/10/2018</a:t>
             </a:fld>
             <a:endParaRPr lang="en-US" dirty="0"/>
           </a:p>
@@ -1871,7 +1871,7 @@
           <a:p>
             <a:fld id="{96DFF08F-DC6B-4601-B491-B0F83F6DD2DA}" type="datetimeFigureOut">
               <a:rPr lang="en-US" dirty="0"/>
-              <a:t>2/9/2018</a:t>
+              <a:t>2/10/2018</a:t>
             </a:fld>
             <a:endParaRPr lang="en-US" dirty="0"/>
           </a:p>
@@ -1984,7 +1984,7 @@
           <a:p>
             <a:fld id="{96DFF08F-DC6B-4601-B491-B0F83F6DD2DA}" type="datetimeFigureOut">
               <a:rPr lang="en-US" dirty="0"/>
-              <a:t>2/9/2018</a:t>
+              <a:t>2/10/2018</a:t>
             </a:fld>
             <a:endParaRPr lang="en-US" dirty="0"/>
           </a:p>
@@ -2074,7 +2074,7 @@
           <a:p>
             <a:fld id="{96DFF08F-DC6B-4601-B491-B0F83F6DD2DA}" type="datetimeFigureOut">
               <a:rPr lang="en-US" dirty="0"/>
-              <a:t>2/9/2018</a:t>
+              <a:t>2/10/2018</a:t>
             </a:fld>
             <a:endParaRPr lang="en-US" dirty="0"/>
           </a:p>
@@ -2342,7 +2342,7 @@
           <a:p>
             <a:fld id="{96DFF08F-DC6B-4601-B491-B0F83F6DD2DA}" type="datetimeFigureOut">
               <a:rPr lang="en-US" dirty="0"/>
-              <a:t>2/9/2018</a:t>
+              <a:t>2/10/2018</a:t>
             </a:fld>
             <a:endParaRPr lang="en-US" dirty="0"/>
           </a:p>
@@ -2602,7 +2602,7 @@
           <a:p>
             <a:fld id="{96DFF08F-DC6B-4601-B491-B0F83F6DD2DA}" type="datetimeFigureOut">
               <a:rPr lang="en-US" dirty="0"/>
-              <a:t>2/9/2018</a:t>
+              <a:t>2/10/2018</a:t>
             </a:fld>
             <a:endParaRPr lang="en-US" dirty="0"/>
           </a:p>
@@ -2847,7 +2847,7 @@
             <a:fld id="{96DFF08F-DC6B-4601-B491-B0F83F6DD2DA}" type="datetimeFigureOut">
               <a:rPr lang="en-US" dirty="0"/>
               <a:pPr/>
-              <a:t>2/9/2018</a:t>
+              <a:t>2/10/2018</a:t>
             </a:fld>
             <a:endParaRPr lang="en-US" dirty="0"/>
           </a:p>
@@ -3364,8 +3364,31 @@
           <a:p>
             <a:r>
               <a:rPr lang="en-US" dirty="0"/>
-              <a:t>02/10/2018</a:t>
-            </a:r>
+              <a:t>Email: </a:t>
+            </a:r>
+            <a:r>
+              <a:rPr lang="en-US" dirty="0">
+                <a:hlinkClick r:id="rId2"/>
+              </a:rPr>
+              <a:t>Suryanarayana_Ambatipudi_2014@cba.isb.edu</a:t>
+            </a:r>
+            <a:endParaRPr lang="en-US" dirty="0"/>
+          </a:p>
+          <a:p>
+            <a:r>
+              <a:rPr lang="en-US" dirty="0"/>
+              <a:t>Code: </a:t>
+            </a:r>
+            <a:r>
+              <a:rPr lang="en-US" dirty="0">
+                <a:hlinkClick r:id="rId3"/>
+              </a:rPr>
+              <a:t>https://github.com/asuryam/ISB-Tutorials/tree/SA2</a:t>
+            </a:r>
+            <a:endParaRPr lang="en-US" dirty="0"/>
+          </a:p>
+          <a:p>
+            <a:endParaRPr lang="en-US" dirty="0"/>
           </a:p>
         </p:txBody>
       </p:sp>
@@ -4551,7 +4574,7 @@
           <a:p>
             <a:r>
               <a:rPr lang="en-IN" dirty="0"/>
-              <a:t>Assumptions	</a:t>
+              <a:t>OBSERVATIONS</a:t>
             </a:r>
           </a:p>
         </p:txBody>
@@ -4983,7 +5006,7 @@
           <p:nvPr>
             <p:extLst>
               <p:ext uri="{D42A27DB-BD31-4B8C-83A1-F6EECF244321}">
-                <p14:modId xmlns:p14="http://schemas.microsoft.com/office/powerpoint/2010/main" val="3606763842"/>
+                <p14:modId xmlns:p14="http://schemas.microsoft.com/office/powerpoint/2010/main" val="602843737"/>
               </p:ext>
             </p:extLst>
           </p:nvPr>
@@ -5135,10 +5158,78 @@
                     <a:p>
                       <a:pPr algn="ctr" fontAlgn="b"/>
                       <a:r>
+                        <a:rPr lang="en-IN" sz="1600" u="none" strike="noStrike" dirty="0">
+                          <a:effectLst/>
+                        </a:rPr>
+                        <a:t>114</a:t>
+                      </a:r>
+                      <a:endParaRPr lang="en-IN" sz="1600" b="0" i="0" u="none" strike="noStrike" dirty="0">
+                        <a:solidFill>
+                          <a:srgbClr val="000000"/>
+                        </a:solidFill>
+                        <a:effectLst/>
+                        <a:latin typeface="Calibri" panose="020F0502020204030204" pitchFamily="34" charset="0"/>
+                      </a:endParaRPr>
+                    </a:p>
+                  </a:txBody>
+                  <a:tcPr marL="9525" marR="9525" marT="9525" marB="0" anchor="b"/>
+                </a:tc>
+                <a:tc>
+                  <a:txBody>
+                    <a:bodyPr/>
+                    <a:lstStyle/>
+                    <a:p>
+                      <a:pPr marL="0" algn="ctr" defTabSz="914400" rtl="0" eaLnBrk="1" fontAlgn="b" latinLnBrk="0" hangingPunct="1"/>
+                      <a:r>
+                        <a:rPr lang="en-IN" sz="1600" u="none" strike="noStrike" kern="1200" dirty="0">
+                          <a:solidFill>
+                            <a:schemeClr val="dk1"/>
+                          </a:solidFill>
+                          <a:effectLst/>
+                          <a:latin typeface="+mn-lt"/>
+                          <a:ea typeface="+mn-ea"/>
+                          <a:cs typeface="+mn-cs"/>
+                        </a:rPr>
+                        <a:t>100</a:t>
+                      </a:r>
+                    </a:p>
+                  </a:txBody>
+                  <a:tcPr marL="9525" marR="9525" marT="9525" marB="0" anchor="b"/>
+                </a:tc>
+                <a:tc>
+                  <a:txBody>
+                    <a:bodyPr/>
+                    <a:lstStyle/>
+                    <a:p>
+                      <a:pPr algn="ctr" fontAlgn="b"/>
+                      <a:r>
+                        <a:rPr lang="en-IN" sz="1600" u="none" strike="noStrike" dirty="0">
+                          <a:effectLst/>
+                        </a:rPr>
+                        <a:t>Base Fare Comparison</a:t>
+                      </a:r>
+                      <a:endParaRPr lang="en-IN" sz="1600" b="0" i="0" u="none" strike="noStrike" dirty="0">
+                        <a:solidFill>
+                          <a:srgbClr val="000000"/>
+                        </a:solidFill>
+                        <a:effectLst/>
+                        <a:latin typeface="Calibri" panose="020F0502020204030204" pitchFamily="34" charset="0"/>
+                      </a:endParaRPr>
+                    </a:p>
+                  </a:txBody>
+                  <a:tcPr marL="9525" marR="9525" marT="9525" marB="0" anchor="b"/>
+                </a:tc>
+                <a:tc>
+                  <a:txBody>
+                    <a:bodyPr/>
+                    <a:lstStyle/>
+                    <a:p>
+                      <a:pPr algn="ctr" fontAlgn="b"/>
+                      <a:r>
                         <a:rPr lang="en-IN" sz="1600" u="none" strike="noStrike">
                           <a:effectLst/>
                         </a:rPr>
-                        <a:t>114</a:t>
+                        <a:t>Minimum</a:t>
                       </a:r>
                       <a:endParaRPr lang="en-IN" sz="1600" b="0" i="0" u="none" strike="noStrike">
                         <a:solidFill>
@@ -5151,6 +5242,13 @@
                   </a:txBody>
                   <a:tcPr marL="9525" marR="9525" marT="9525" marB="0" anchor="b"/>
                 </a:tc>
+                <a:extLst>
+                  <a:ext uri="{0D108BD9-81ED-4DB2-BD59-A6C34878D82A}">
+                    <a16:rowId xmlns:a16="http://schemas.microsoft.com/office/drawing/2014/main" val="2093437229"/>
+                  </a:ext>
+                </a:extLst>
+              </a:tr>
+              <a:tr h="272840">
                 <a:tc>
                   <a:txBody>
                     <a:bodyPr/>
@@ -5161,7 +5259,7 @@
                         <a:rPr lang="en-IN" sz="1600" u="none" strike="noStrike" dirty="0">
                           <a:effectLst/>
                         </a:rPr>
-                        <a:t>100</a:t>
+                        <a:t>164</a:t>
                       </a:r>
                       <a:endParaRPr lang="en-IN" sz="1600" b="0" i="0" u="none" strike="noStrike" dirty="0">
                         <a:solidFill>
@@ -5179,12 +5277,34 @@
                     <a:bodyPr/>
                     <a:lstStyle/>
                     <a:p>
+                      <a:pPr marL="0" algn="ctr" defTabSz="914400" rtl="0" eaLnBrk="1" fontAlgn="b" latinLnBrk="0" hangingPunct="1"/>
+                      <a:r>
+                        <a:rPr lang="en-IN" sz="1600" u="none" strike="noStrike" kern="1200" dirty="0">
+                          <a:solidFill>
+                            <a:schemeClr val="dk1"/>
+                          </a:solidFill>
+                          <a:effectLst/>
+                          <a:latin typeface="+mn-lt"/>
+                          <a:ea typeface="+mn-ea"/>
+                          <a:cs typeface="+mn-cs"/>
+                        </a:rPr>
+                        <a:t>105.91</a:t>
+                      </a:r>
+                    </a:p>
+                  </a:txBody>
+                  <a:tcPr marL="9525" marR="9525" marT="9525" marB="0" anchor="b"/>
+                </a:tc>
+                <a:tc>
+                  <a:txBody>
+                    <a:bodyPr/>
+                    <a:lstStyle/>
+                    <a:p>
                       <a:pPr algn="ctr" fontAlgn="b"/>
                       <a:r>
                         <a:rPr lang="en-IN" sz="1600" u="none" strike="noStrike" dirty="0">
                           <a:effectLst/>
                         </a:rPr>
-                        <a:t>Base Fare Comparison</a:t>
+                        <a:t>5.91%</a:t>
                       </a:r>
                       <a:endParaRPr lang="en-IN" sz="1600" b="0" i="0" u="none" strike="noStrike" dirty="0">
                         <a:solidFill>
@@ -5207,7 +5327,7 @@
                         <a:rPr lang="en-IN" sz="1600" u="none" strike="noStrike">
                           <a:effectLst/>
                         </a:rPr>
-                        <a:t>Minimum</a:t>
+                        <a:t> </a:t>
                       </a:r>
                       <a:endParaRPr lang="en-IN" sz="1600" b="0" i="0" u="none" strike="noStrike">
                         <a:solidFill>
@@ -5222,7 +5342,7 @@
                 </a:tc>
                 <a:extLst>
                   <a:ext uri="{0D108BD9-81ED-4DB2-BD59-A6C34878D82A}">
-                    <a16:rowId xmlns:a16="http://schemas.microsoft.com/office/drawing/2014/main" val="2093437229"/>
+                    <a16:rowId xmlns:a16="http://schemas.microsoft.com/office/drawing/2014/main" val="1540837461"/>
                   </a:ext>
                 </a:extLst>
               </a:tr>
@@ -5234,10 +5354,78 @@
                     <a:p>
                       <a:pPr algn="ctr" fontAlgn="b"/>
                       <a:r>
+                        <a:rPr lang="en-IN" sz="1600" u="none" strike="noStrike" dirty="0">
+                          <a:effectLst/>
+                        </a:rPr>
+                        <a:t>214</a:t>
+                      </a:r>
+                      <a:endParaRPr lang="en-IN" sz="1600" b="0" i="0" u="none" strike="noStrike" dirty="0">
+                        <a:solidFill>
+                          <a:srgbClr val="000000"/>
+                        </a:solidFill>
+                        <a:effectLst/>
+                        <a:latin typeface="Calibri" panose="020F0502020204030204" pitchFamily="34" charset="0"/>
+                      </a:endParaRPr>
+                    </a:p>
+                  </a:txBody>
+                  <a:tcPr marL="9525" marR="9525" marT="9525" marB="0" anchor="b"/>
+                </a:tc>
+                <a:tc>
+                  <a:txBody>
+                    <a:bodyPr/>
+                    <a:lstStyle/>
+                    <a:p>
+                      <a:pPr marL="0" algn="ctr" defTabSz="914400" rtl="0" eaLnBrk="1" fontAlgn="b" latinLnBrk="0" hangingPunct="1"/>
+                      <a:r>
+                        <a:rPr lang="en-IN" sz="1600" u="none" strike="noStrike" kern="1200" dirty="0">
+                          <a:solidFill>
+                            <a:schemeClr val="dk1"/>
+                          </a:solidFill>
+                          <a:effectLst/>
+                          <a:latin typeface="+mn-lt"/>
+                          <a:ea typeface="+mn-ea"/>
+                          <a:cs typeface="+mn-cs"/>
+                        </a:rPr>
+                        <a:t>105.04</a:t>
+                      </a:r>
+                    </a:p>
+                  </a:txBody>
+                  <a:tcPr marL="9525" marR="9525" marT="9525" marB="0" anchor="b"/>
+                </a:tc>
+                <a:tc>
+                  <a:txBody>
+                    <a:bodyPr/>
+                    <a:lstStyle/>
+                    <a:p>
+                      <a:pPr algn="ctr" fontAlgn="b"/>
+                      <a:r>
+                        <a:rPr lang="en-IN" sz="1600" u="none" strike="noStrike" dirty="0">
+                          <a:effectLst/>
+                        </a:rPr>
+                        <a:t>5.04%</a:t>
+                      </a:r>
+                      <a:endParaRPr lang="en-IN" sz="1600" b="0" i="0" u="none" strike="noStrike" dirty="0">
+                        <a:solidFill>
+                          <a:srgbClr val="000000"/>
+                        </a:solidFill>
+                        <a:effectLst/>
+                        <a:latin typeface="Calibri" panose="020F0502020204030204" pitchFamily="34" charset="0"/>
+                      </a:endParaRPr>
+                    </a:p>
+                  </a:txBody>
+                  <a:tcPr marL="9525" marR="9525" marT="9525" marB="0" anchor="b"/>
+                </a:tc>
+                <a:tc>
+                  <a:txBody>
+                    <a:bodyPr/>
+                    <a:lstStyle/>
+                    <a:p>
+                      <a:pPr algn="ctr" fontAlgn="b"/>
+                      <a:r>
                         <a:rPr lang="en-IN" sz="1600" u="none" strike="noStrike">
                           <a:effectLst/>
                         </a:rPr>
-                        <a:t>164</a:t>
+                        <a:t> </a:t>
                       </a:r>
                       <a:endParaRPr lang="en-IN" sz="1600" b="0" i="0" u="none" strike="noStrike">
                         <a:solidFill>
@@ -5250,6 +5438,81 @@
                   </a:txBody>
                   <a:tcPr marL="9525" marR="9525" marT="9525" marB="0" anchor="b"/>
                 </a:tc>
+                <a:extLst>
+                  <a:ext uri="{0D108BD9-81ED-4DB2-BD59-A6C34878D82A}">
+                    <a16:rowId xmlns:a16="http://schemas.microsoft.com/office/drawing/2014/main" val="1484467922"/>
+                  </a:ext>
+                </a:extLst>
+              </a:tr>
+              <a:tr h="272840">
+                <a:tc>
+                  <a:txBody>
+                    <a:bodyPr/>
+                    <a:lstStyle/>
+                    <a:p>
+                      <a:pPr algn="ctr" fontAlgn="b"/>
+                      <a:r>
+                        <a:rPr lang="en-IN" sz="1600" u="none" strike="noStrike" dirty="0">
+                          <a:effectLst/>
+                        </a:rPr>
+                        <a:t>314</a:t>
+                      </a:r>
+                      <a:endParaRPr lang="en-IN" sz="1600" b="0" i="0" u="none" strike="noStrike" dirty="0">
+                        <a:solidFill>
+                          <a:srgbClr val="000000"/>
+                        </a:solidFill>
+                        <a:effectLst/>
+                        <a:latin typeface="Calibri" panose="020F0502020204030204" pitchFamily="34" charset="0"/>
+                      </a:endParaRPr>
+                    </a:p>
+                  </a:txBody>
+                  <a:tcPr marL="9525" marR="9525" marT="9525" marB="0" anchor="b"/>
+                </a:tc>
+                <a:tc>
+                  <a:txBody>
+                    <a:bodyPr/>
+                    <a:lstStyle/>
+                    <a:p>
+                      <a:pPr marL="0" algn="ctr" defTabSz="914400" rtl="0" eaLnBrk="1" fontAlgn="b" latinLnBrk="0" hangingPunct="1"/>
+                      <a:r>
+                        <a:rPr lang="en-IN" sz="1600" u="none" strike="noStrike" kern="1200" dirty="0">
+                          <a:solidFill>
+                            <a:schemeClr val="dk1"/>
+                          </a:solidFill>
+                          <a:effectLst/>
+                          <a:latin typeface="+mn-lt"/>
+                          <a:ea typeface="+mn-ea"/>
+                          <a:cs typeface="+mn-cs"/>
+                        </a:rPr>
+                        <a:t>108.69</a:t>
+                      </a:r>
+                    </a:p>
+                  </a:txBody>
+                  <a:tcPr marL="9525" marR="9525" marT="9525" marB="0" anchor="b"/>
+                </a:tc>
+                <a:tc>
+                  <a:txBody>
+                    <a:bodyPr/>
+                    <a:lstStyle/>
+                    <a:p>
+                      <a:pPr algn="ctr" fontAlgn="b"/>
+                      <a:r>
+                        <a:rPr lang="en-IN" sz="1600" u="none" strike="noStrike" dirty="0">
+                          <a:effectLst/>
+                        </a:rPr>
+                        <a:t>8.69%</a:t>
+                      </a:r>
+                      <a:endParaRPr lang="en-IN" sz="1600" b="0" i="0" u="none" strike="noStrike" dirty="0">
+                        <a:solidFill>
+                          <a:srgbClr val="000000"/>
+                        </a:solidFill>
+                        <a:effectLst/>
+                        <a:latin typeface="Calibri" panose="020F0502020204030204" pitchFamily="34" charset="0"/>
+                      </a:endParaRPr>
+                    </a:p>
+                  </a:txBody>
+                  <a:tcPr marL="9525" marR="9525" marT="9525" marB="0" anchor="b"/>
+                </a:tc>
                 <a:tc>
                   <a:txBody>
                     <a:bodyPr/>
@@ -5260,7 +5523,7 @@
                         <a:rPr lang="en-IN" sz="1600" u="none" strike="noStrike">
                           <a:effectLst/>
                         </a:rPr>
-                        <a:t>119.9415062</a:t>
+                        <a:t> </a:t>
                       </a:r>
                       <a:endParaRPr lang="en-IN" sz="1600" b="0" i="0" u="none" strike="noStrike">
                         <a:solidFill>
@@ -5273,6 +5536,13 @@
                   </a:txBody>
                   <a:tcPr marL="9525" marR="9525" marT="9525" marB="0" anchor="b"/>
                 </a:tc>
+                <a:extLst>
+                  <a:ext uri="{0D108BD9-81ED-4DB2-BD59-A6C34878D82A}">
+                    <a16:rowId xmlns:a16="http://schemas.microsoft.com/office/drawing/2014/main" val="1583104391"/>
+                  </a:ext>
+                </a:extLst>
+              </a:tr>
+              <a:tr h="272840">
                 <a:tc>
                   <a:txBody>
                     <a:bodyPr/>
@@ -5283,7 +5553,7 @@
                         <a:rPr lang="en-IN" sz="1600" u="none" strike="noStrike" dirty="0">
                           <a:effectLst/>
                         </a:rPr>
-                        <a:t>19%</a:t>
+                        <a:t>514</a:t>
                       </a:r>
                       <a:endParaRPr lang="en-IN" sz="1600" b="0" i="0" u="none" strike="noStrike" dirty="0">
                         <a:solidFill>
@@ -5301,73 +5571,19 @@
                     <a:bodyPr/>
                     <a:lstStyle/>
                     <a:p>
-                      <a:pPr algn="ctr" fontAlgn="b"/>
-                      <a:r>
-                        <a:rPr lang="en-IN" sz="1600" u="none" strike="noStrike">
+                      <a:pPr marL="0" algn="ctr" defTabSz="914400" rtl="0" eaLnBrk="1" fontAlgn="b" latinLnBrk="0" hangingPunct="1"/>
+                      <a:r>
+                        <a:rPr lang="en-IN" sz="1600" u="none" strike="noStrike" kern="1200" dirty="0">
+                          <a:solidFill>
+                            <a:schemeClr val="dk1"/>
+                          </a:solidFill>
                           <a:effectLst/>
+                          <a:latin typeface="+mn-lt"/>
+                          <a:ea typeface="+mn-ea"/>
+                          <a:cs typeface="+mn-cs"/>
                         </a:rPr>
-                        <a:t> </a:t>
-                      </a:r>
-                      <a:endParaRPr lang="en-IN" sz="1600" b="0" i="0" u="none" strike="noStrike">
-                        <a:solidFill>
-                          <a:srgbClr val="000000"/>
-                        </a:solidFill>
-                        <a:effectLst/>
-                        <a:latin typeface="Calibri" panose="020F0502020204030204" pitchFamily="34" charset="0"/>
-                      </a:endParaRPr>
-                    </a:p>
-                  </a:txBody>
-                  <a:tcPr marL="9525" marR="9525" marT="9525" marB="0" anchor="b"/>
-                </a:tc>
-                <a:extLst>
-                  <a:ext uri="{0D108BD9-81ED-4DB2-BD59-A6C34878D82A}">
-                    <a16:rowId xmlns:a16="http://schemas.microsoft.com/office/drawing/2014/main" val="1540837461"/>
-                  </a:ext>
-                </a:extLst>
-              </a:tr>
-              <a:tr h="272840">
-                <a:tc>
-                  <a:txBody>
-                    <a:bodyPr/>
-                    <a:lstStyle/>
-                    <a:p>
-                      <a:pPr algn="ctr" fontAlgn="b"/>
-                      <a:r>
-                        <a:rPr lang="en-IN" sz="1600" u="none" strike="noStrike">
-                          <a:effectLst/>
-                        </a:rPr>
-                        <a:t>214</a:t>
-                      </a:r>
-                      <a:endParaRPr lang="en-IN" sz="1600" b="0" i="0" u="none" strike="noStrike">
-                        <a:solidFill>
-                          <a:srgbClr val="000000"/>
-                        </a:solidFill>
-                        <a:effectLst/>
-                        <a:latin typeface="Calibri" panose="020F0502020204030204" pitchFamily="34" charset="0"/>
-                      </a:endParaRPr>
-                    </a:p>
-                  </a:txBody>
-                  <a:tcPr marL="9525" marR="9525" marT="9525" marB="0" anchor="b"/>
-                </a:tc>
-                <a:tc>
-                  <a:txBody>
-                    <a:bodyPr/>
-                    <a:lstStyle/>
-                    <a:p>
-                      <a:pPr algn="ctr" fontAlgn="b"/>
-                      <a:r>
-                        <a:rPr lang="en-IN" sz="1600" u="none" strike="noStrike">
-                          <a:effectLst/>
-                        </a:rPr>
-                        <a:t>114.2312588</a:t>
-                      </a:r>
-                      <a:endParaRPr lang="en-IN" sz="1600" b="0" i="0" u="none" strike="noStrike">
-                        <a:solidFill>
-                          <a:srgbClr val="000000"/>
-                        </a:solidFill>
-                        <a:effectLst/>
-                        <a:latin typeface="Calibri" panose="020F0502020204030204" pitchFamily="34" charset="0"/>
-                      </a:endParaRPr>
+                        <a:t>114.29</a:t>
+                      </a:r>
                     </a:p>
                   </a:txBody>
                   <a:tcPr marL="9525" marR="9525" marT="9525" marB="0" anchor="b"/>
@@ -5382,7 +5598,7 @@
                         <a:rPr lang="en-IN" sz="1600" u="none" strike="noStrike" dirty="0">
                           <a:effectLst/>
                         </a:rPr>
-                        <a:t>14%</a:t>
+                        <a:t>14.29%</a:t>
                       </a:r>
                       <a:endParaRPr lang="en-IN" sz="1600" b="0" i="0" u="none" strike="noStrike" dirty="0">
                         <a:solidFill>
@@ -5402,86 +5618,10 @@
                     <a:p>
                       <a:pPr algn="ctr" fontAlgn="b"/>
                       <a:r>
-                        <a:rPr lang="en-IN" sz="1600" u="none" strike="noStrike">
+                        <a:rPr lang="en-IN" sz="1600" u="none" strike="noStrike" dirty="0">
                           <a:effectLst/>
                         </a:rPr>
                         <a:t> </a:t>
-                      </a:r>
-                      <a:endParaRPr lang="en-IN" sz="1600" b="0" i="0" u="none" strike="noStrike">
-                        <a:solidFill>
-                          <a:srgbClr val="000000"/>
-                        </a:solidFill>
-                        <a:effectLst/>
-                        <a:latin typeface="Calibri" panose="020F0502020204030204" pitchFamily="34" charset="0"/>
-                      </a:endParaRPr>
-                    </a:p>
-                  </a:txBody>
-                  <a:tcPr marL="9525" marR="9525" marT="9525" marB="0" anchor="b"/>
-                </a:tc>
-                <a:extLst>
-                  <a:ext uri="{0D108BD9-81ED-4DB2-BD59-A6C34878D82A}">
-                    <a16:rowId xmlns:a16="http://schemas.microsoft.com/office/drawing/2014/main" val="1484467922"/>
-                  </a:ext>
-                </a:extLst>
-              </a:tr>
-              <a:tr h="272840">
-                <a:tc>
-                  <a:txBody>
-                    <a:bodyPr/>
-                    <a:lstStyle/>
-                    <a:p>
-                      <a:pPr algn="ctr" fontAlgn="b"/>
-                      <a:r>
-                        <a:rPr lang="en-IN" sz="1600" u="none" strike="noStrike">
-                          <a:effectLst/>
-                        </a:rPr>
-                        <a:t>314</a:t>
-                      </a:r>
-                      <a:endParaRPr lang="en-IN" sz="1600" b="0" i="0" u="none" strike="noStrike">
-                        <a:solidFill>
-                          <a:srgbClr val="000000"/>
-                        </a:solidFill>
-                        <a:effectLst/>
-                        <a:latin typeface="Calibri" panose="020F0502020204030204" pitchFamily="34" charset="0"/>
-                      </a:endParaRPr>
-                    </a:p>
-                  </a:txBody>
-                  <a:tcPr marL="9525" marR="9525" marT="9525" marB="0" anchor="b"/>
-                </a:tc>
-                <a:tc>
-                  <a:txBody>
-                    <a:bodyPr/>
-                    <a:lstStyle/>
-                    <a:p>
-                      <a:pPr algn="ctr" fontAlgn="b"/>
-                      <a:r>
-                        <a:rPr lang="en-IN" sz="1600" u="none" strike="noStrike">
-                          <a:effectLst/>
-                        </a:rPr>
-                        <a:t>121.1317349</a:t>
-                      </a:r>
-                      <a:endParaRPr lang="en-IN" sz="1600" b="0" i="0" u="none" strike="noStrike">
-                        <a:solidFill>
-                          <a:srgbClr val="000000"/>
-                        </a:solidFill>
-                        <a:effectLst/>
-                        <a:latin typeface="Calibri" panose="020F0502020204030204" pitchFamily="34" charset="0"/>
-                      </a:endParaRPr>
-                    </a:p>
-                  </a:txBody>
-                  <a:tcPr marL="9525" marR="9525" marT="9525" marB="0" anchor="b"/>
-                </a:tc>
-                <a:tc>
-                  <a:txBody>
-                    <a:bodyPr/>
-                    <a:lstStyle/>
-                    <a:p>
-                      <a:pPr algn="ctr" fontAlgn="b"/>
-                      <a:r>
-                        <a:rPr lang="en-IN" sz="1600" u="none" strike="noStrike" dirty="0">
-                          <a:effectLst/>
-                        </a:rPr>
-                        <a:t>21%</a:t>
                       </a:r>
                       <a:endParaRPr lang="en-IN" sz="1600" b="0" i="0" u="none" strike="noStrike" dirty="0">
                         <a:solidFill>
@@ -5494,32 +5634,9 @@
                   </a:txBody>
                   <a:tcPr marL="9525" marR="9525" marT="9525" marB="0" anchor="b"/>
                 </a:tc>
-                <a:tc>
-                  <a:txBody>
-                    <a:bodyPr/>
-                    <a:lstStyle/>
-                    <a:p>
-                      <a:pPr algn="ctr" fontAlgn="b"/>
-                      <a:r>
-                        <a:rPr lang="en-IN" sz="1600" u="none" strike="noStrike">
-                          <a:effectLst/>
-                        </a:rPr>
-                        <a:t> </a:t>
-                      </a:r>
-                      <a:endParaRPr lang="en-IN" sz="1600" b="0" i="0" u="none" strike="noStrike">
-                        <a:solidFill>
-                          <a:srgbClr val="000000"/>
-                        </a:solidFill>
-                        <a:effectLst/>
-                        <a:latin typeface="Calibri" panose="020F0502020204030204" pitchFamily="34" charset="0"/>
-                      </a:endParaRPr>
-                    </a:p>
-                  </a:txBody>
-                  <a:tcPr marL="9525" marR="9525" marT="9525" marB="0" anchor="b"/>
-                </a:tc>
                 <a:extLst>
                   <a:ext uri="{0D108BD9-81ED-4DB2-BD59-A6C34878D82A}">
-                    <a16:rowId xmlns:a16="http://schemas.microsoft.com/office/drawing/2014/main" val="1583104391"/>
+                    <a16:rowId xmlns:a16="http://schemas.microsoft.com/office/drawing/2014/main" val="3342986947"/>
                   </a:ext>
                 </a:extLst>
               </a:tr>
@@ -5531,56 +5648,10 @@
                     <a:p>
                       <a:pPr algn="ctr" fontAlgn="b"/>
                       <a:r>
-                        <a:rPr lang="en-IN" sz="1600" u="none" strike="noStrike">
-                          <a:effectLst/>
-                        </a:rPr>
-                        <a:t>514</a:t>
-                      </a:r>
-                      <a:endParaRPr lang="en-IN" sz="1600" b="0" i="0" u="none" strike="noStrike">
-                        <a:solidFill>
-                          <a:srgbClr val="000000"/>
-                        </a:solidFill>
-                        <a:effectLst/>
-                        <a:latin typeface="Calibri" panose="020F0502020204030204" pitchFamily="34" charset="0"/>
-                      </a:endParaRPr>
-                    </a:p>
-                  </a:txBody>
-                  <a:tcPr marL="9525" marR="9525" marT="9525" marB="0" anchor="b"/>
-                </a:tc>
-                <a:tc>
-                  <a:txBody>
-                    <a:bodyPr/>
-                    <a:lstStyle/>
-                    <a:p>
-                      <a:pPr algn="ctr" fontAlgn="b"/>
-                      <a:r>
-                        <a:rPr lang="en-IN" sz="1600" u="none" strike="noStrike">
-                          <a:effectLst/>
-                        </a:rPr>
-                        <a:t>127.9430606</a:t>
-                      </a:r>
-                      <a:endParaRPr lang="en-IN" sz="1600" b="0" i="0" u="none" strike="noStrike">
-                        <a:solidFill>
-                          <a:srgbClr val="000000"/>
-                        </a:solidFill>
-                        <a:effectLst/>
-                        <a:latin typeface="Calibri" panose="020F0502020204030204" pitchFamily="34" charset="0"/>
-                      </a:endParaRPr>
-                    </a:p>
-                  </a:txBody>
-                  <a:tcPr marL="9525" marR="9525" marT="9525" marB="0" anchor="b"/>
-                </a:tc>
-                <a:tc>
-                  <a:txBody>
-                    <a:bodyPr/>
-                    <a:lstStyle/>
-                    <a:p>
-                      <a:pPr algn="ctr" fontAlgn="b"/>
-                      <a:r>
                         <a:rPr lang="en-IN" sz="1600" u="none" strike="noStrike" dirty="0">
                           <a:effectLst/>
                         </a:rPr>
-                        <a:t>27%</a:t>
+                        <a:t>914</a:t>
                       </a:r>
                       <a:endParaRPr lang="en-IN" sz="1600" b="0" i="0" u="none" strike="noStrike" dirty="0">
                         <a:solidFill>
@@ -5598,12 +5669,34 @@
                     <a:bodyPr/>
                     <a:lstStyle/>
                     <a:p>
+                      <a:pPr marL="0" algn="ctr" defTabSz="914400" rtl="0" eaLnBrk="1" fontAlgn="b" latinLnBrk="0" hangingPunct="1"/>
+                      <a:r>
+                        <a:rPr lang="en-IN" sz="1600" u="none" strike="noStrike" kern="1200" dirty="0">
+                          <a:solidFill>
+                            <a:schemeClr val="dk1"/>
+                          </a:solidFill>
+                          <a:effectLst/>
+                          <a:latin typeface="+mn-lt"/>
+                          <a:ea typeface="+mn-ea"/>
+                          <a:cs typeface="+mn-cs"/>
+                        </a:rPr>
+                        <a:t>122.62</a:t>
+                      </a:r>
+                    </a:p>
+                  </a:txBody>
+                  <a:tcPr marL="9525" marR="9525" marT="9525" marB="0" anchor="b"/>
+                </a:tc>
+                <a:tc>
+                  <a:txBody>
+                    <a:bodyPr/>
+                    <a:lstStyle/>
+                    <a:p>
                       <a:pPr algn="ctr" fontAlgn="b"/>
                       <a:r>
                         <a:rPr lang="en-IN" sz="1600" u="none" strike="noStrike" dirty="0">
                           <a:effectLst/>
                         </a:rPr>
-                        <a:t> </a:t>
+                        <a:t>22.62%</a:t>
                       </a:r>
                       <a:endParaRPr lang="en-IN" sz="1600" b="0" i="0" u="none" strike="noStrike" dirty="0">
                         <a:solidFill>
@@ -5616,59 +5709,6 @@
                   </a:txBody>
                   <a:tcPr marL="9525" marR="9525" marT="9525" marB="0" anchor="b"/>
                 </a:tc>
-                <a:extLst>
-                  <a:ext uri="{0D108BD9-81ED-4DB2-BD59-A6C34878D82A}">
-                    <a16:rowId xmlns:a16="http://schemas.microsoft.com/office/drawing/2014/main" val="3342986947"/>
-                  </a:ext>
-                </a:extLst>
-              </a:tr>
-              <a:tr h="272840">
-                <a:tc>
-                  <a:txBody>
-                    <a:bodyPr/>
-                    <a:lstStyle/>
-                    <a:p>
-                      <a:pPr algn="ctr" fontAlgn="b"/>
-                      <a:r>
-                        <a:rPr lang="en-IN" sz="1600" u="none" strike="noStrike">
-                          <a:effectLst/>
-                        </a:rPr>
-                        <a:t>914</a:t>
-                      </a:r>
-                      <a:endParaRPr lang="en-IN" sz="1600" b="0" i="0" u="none" strike="noStrike">
-                        <a:solidFill>
-                          <a:srgbClr val="000000"/>
-                        </a:solidFill>
-                        <a:effectLst/>
-                        <a:latin typeface="Calibri" panose="020F0502020204030204" pitchFamily="34" charset="0"/>
-                      </a:endParaRPr>
-                    </a:p>
-                  </a:txBody>
-                  <a:tcPr marL="9525" marR="9525" marT="9525" marB="0" anchor="b"/>
-                </a:tc>
-                <a:tc>
-                  <a:txBody>
-                    <a:bodyPr/>
-                    <a:lstStyle/>
-                    <a:p>
-                      <a:pPr algn="ctr" fontAlgn="b"/>
-                      <a:r>
-                        <a:rPr lang="en-IN" sz="1600" u="none" strike="noStrike">
-                          <a:effectLst/>
-                        </a:rPr>
-                        <a:t>133.3495451</a:t>
-                      </a:r>
-                      <a:endParaRPr lang="en-IN" sz="1600" b="0" i="0" u="none" strike="noStrike">
-                        <a:solidFill>
-                          <a:srgbClr val="000000"/>
-                        </a:solidFill>
-                        <a:effectLst/>
-                        <a:latin typeface="Calibri" panose="020F0502020204030204" pitchFamily="34" charset="0"/>
-                      </a:endParaRPr>
-                    </a:p>
-                  </a:txBody>
-                  <a:tcPr marL="9525" marR="9525" marT="9525" marB="0" anchor="b"/>
-                </a:tc>
                 <a:tc>
                   <a:txBody>
                     <a:bodyPr/>
@@ -5679,7 +5719,7 @@
                         <a:rPr lang="en-IN" sz="1600" u="none" strike="noStrike" dirty="0">
                           <a:effectLst/>
                         </a:rPr>
-                        <a:t>33%</a:t>
+                        <a:t> </a:t>
                       </a:r>
                       <a:endParaRPr lang="en-IN" sz="1600" b="0" i="0" u="none" strike="noStrike" dirty="0">
                         <a:solidFill>
@@ -5692,6 +5732,13 @@
                   </a:txBody>
                   <a:tcPr marL="9525" marR="9525" marT="9525" marB="0" anchor="b"/>
                 </a:tc>
+                <a:extLst>
+                  <a:ext uri="{0D108BD9-81ED-4DB2-BD59-A6C34878D82A}">
+                    <a16:rowId xmlns:a16="http://schemas.microsoft.com/office/drawing/2014/main" val="214144492"/>
+                  </a:ext>
+                </a:extLst>
+              </a:tr>
+              <a:tr h="272840">
                 <a:tc>
                   <a:txBody>
                     <a:bodyPr/>
@@ -5702,7 +5749,7 @@
                         <a:rPr lang="en-IN" sz="1600" u="none" strike="noStrike" dirty="0">
                           <a:effectLst/>
                         </a:rPr>
-                        <a:t> </a:t>
+                        <a:t>2764</a:t>
                       </a:r>
                       <a:endParaRPr lang="en-IN" sz="1600" b="0" i="0" u="none" strike="noStrike" dirty="0">
                         <a:solidFill>
@@ -5715,55 +5762,24 @@
                   </a:txBody>
                   <a:tcPr marL="9525" marR="9525" marT="9525" marB="0" anchor="b"/>
                 </a:tc>
-                <a:extLst>
-                  <a:ext uri="{0D108BD9-81ED-4DB2-BD59-A6C34878D82A}">
-                    <a16:rowId xmlns:a16="http://schemas.microsoft.com/office/drawing/2014/main" val="214144492"/>
-                  </a:ext>
-                </a:extLst>
-              </a:tr>
-              <a:tr h="272840">
-                <a:tc>
-                  <a:txBody>
-                    <a:bodyPr/>
-                    <a:lstStyle/>
-                    <a:p>
-                      <a:pPr algn="ctr" fontAlgn="b"/>
-                      <a:r>
-                        <a:rPr lang="en-IN" sz="1600" u="none" strike="noStrike">
+                <a:tc>
+                  <a:txBody>
+                    <a:bodyPr/>
+                    <a:lstStyle/>
+                    <a:p>
+                      <a:pPr marL="0" algn="ctr" defTabSz="914400" rtl="0" eaLnBrk="1" fontAlgn="b" latinLnBrk="0" hangingPunct="1"/>
+                      <a:r>
+                        <a:rPr lang="en-IN" sz="1600" u="none" strike="noStrike" kern="1200" dirty="0">
+                          <a:solidFill>
+                            <a:schemeClr val="dk1"/>
+                          </a:solidFill>
                           <a:effectLst/>
+                          <a:latin typeface="+mn-lt"/>
+                          <a:ea typeface="+mn-ea"/>
+                          <a:cs typeface="+mn-cs"/>
                         </a:rPr>
-                        <a:t>2764</a:t>
-                      </a:r>
-                      <a:endParaRPr lang="en-IN" sz="1600" b="0" i="0" u="none" strike="noStrike">
-                        <a:solidFill>
-                          <a:srgbClr val="000000"/>
-                        </a:solidFill>
-                        <a:effectLst/>
-                        <a:latin typeface="Calibri" panose="020F0502020204030204" pitchFamily="34" charset="0"/>
-                      </a:endParaRPr>
-                    </a:p>
-                  </a:txBody>
-                  <a:tcPr marL="9525" marR="9525" marT="9525" marB="0" anchor="b"/>
-                </a:tc>
-                <a:tc>
-                  <a:txBody>
-                    <a:bodyPr/>
-                    <a:lstStyle/>
-                    <a:p>
-                      <a:pPr algn="ctr" fontAlgn="b"/>
-                      <a:r>
-                        <a:rPr lang="en-IN" sz="1600" u="none" strike="noStrike">
-                          <a:effectLst/>
-                        </a:rPr>
-                        <a:t>173.8985343</a:t>
-                      </a:r>
-                      <a:endParaRPr lang="en-IN" sz="1600" b="0" i="0" u="none" strike="noStrike">
-                        <a:solidFill>
-                          <a:srgbClr val="000000"/>
-                        </a:solidFill>
-                        <a:effectLst/>
-                        <a:latin typeface="Calibri" panose="020F0502020204030204" pitchFamily="34" charset="0"/>
-                      </a:endParaRPr>
+                        <a:t>182.68</a:t>
+                      </a:r>
                     </a:p>
                   </a:txBody>
                   <a:tcPr marL="9525" marR="9525" marT="9525" marB="0" anchor="b"/>
@@ -5778,7 +5794,7 @@
                         <a:rPr lang="en-IN" sz="1600" u="none" strike="noStrike" dirty="0">
                           <a:effectLst/>
                         </a:rPr>
-                        <a:t>73%</a:t>
+                        <a:t>82.68%</a:t>
                       </a:r>
                       <a:endParaRPr lang="en-IN" sz="1600" b="0" i="0" u="none" strike="noStrike" dirty="0">
                         <a:solidFill>
